--- a/comp4475-artificialintelligence/ClassNotes/January25_2023/ai_w3c6notes.pptx
+++ b/comp4475-artificialintelligence/ClassNotes/January25_2023/ai_w3c6notes.pptx
@@ -674,7 +674,7 @@
   <inkml:trace contextRef="#ctx0" brushRef="#br0" timeOffset="133544.26">24125 7273 19343 0,'-9'-5'1728'0,"4"1"-1392"16,5 4-336-16,-4-6 0 0,0 0 2992 0,4-1 528 15,4 5 96-15,6-3 32 0,6 1-2224 0,5 1-432 16,4 2-96-16,6-1 0 0,3 0-256 0,2-1-64 15,5 2 0-15,3 2 0 0,7 3-576 0,6 3-192 16,9 2 0-16,-4-3-16384 0</inkml:trace>
   <inkml:trace contextRef="#ctx0" brushRef="#br0" timeOffset="135304.47">26173 7275 29663 0,'0'0'640'0,"-3"-6"144"0,14 2 32 0,-2-1 16 0,-2 1-656 0,-3-5-176 0,-5-2 0 0,-3 3 0 0,-2 3 1120 16,-1 1 192-16,-6 2 32 0,-2 2 16 0,-2 2-576 0,-10 5-112 16,1 5-32-16,-2 3 0 0,1 3-512 0,1 6-128 15,1 3 0-15,3-2 0 0,4 0 0 0,3-2 0 16,4 1 0-16,4-2 0 0,3-1 0 0,4 1 0 16,3-1 0-16,2-2 0 0,3-3 0 0,2-2 160 15,2-1-32-15,1-4-128 0,1 1 176 0,-1-3-176 16,-1 0 160-16,0-3-160 0,-12-4 176 0,0 0-176 0,0 0 192 0,0 0-192 15,0 10 0-15,-4 3 0 16,-5 7 0-16,-2-4-144 0,-5-2-128 0,-3-4-32 16,1-1 0-16,-5 1 0 15,-4-3-448-15,-1 0-80 0,0-4-32 0,5-3 0 16,-1-6 288-16,6 0 48 0,4 1 16 0,14 5 0 16,0 0 64-16,0 0 32 0,0 0 0 0,0 0 0 0,12-11 96 0,3 2 0 0,2 1 16 0,1 2 0 15,1 2 304-15,-1-4 176 0,-1-4-32 0,1 4 0 16,2 2 128-16,2-2 32 0,3 2 0 15,3-2 0-15,4-3 16 0,-8 2 0 0,4 1 0 0,3-1 0 16,3-1 0-16,5 1 16 16,3-2 0-16,-2 1 0 0,-2-3-48 0,-3 2-16 0,-3 1 0 15,-6 1 0-15,-3 1-128 0,-3 0-16 0,-5 0-128 0,0 2 192 16,-4 1-48-16,-2-1-16 0,-1 1 0 0,-8 5 0 16,0 0-128-16,0 0 160 0,0-8-160 0,0 8 160 15,-5-6-336-15,-1 2-64 0,-2 3-16 0,-1-1 0 0,-2 4 0 0,-3 0-16 16,-4 2 0-16,-3 1 0 0,-1 2 272 0,-1 1 128 15,4 3-128-15,2 1 192 0,3 2-64 0,3 2-128 16,3 2 176-16,4-3-176 0,4 2 0 0,6-2 0 16,3-2 0-16,5 0 0 0,4 0 0 0,4-5-192 15,3 0 192-15,0-3-192 0,-2-2 192 0,2-3 0 16,3-5 0-16,-1-2-144 0,2-1 144 0,-1-2 0 16,2-2 0-16,3 0 0 0,2-1-128 0,0 2 128 15,1-2-128-15,-1 1 128 0,-1-1 0 0,-6 1 0 16,-4 2 0-16,-3 2 128 0,-3-1 32 0,-4 2 16 15,-6 1 0-15,-4-1 0 0,-4 1 160 0,-4 0 48 16,-2 1 0-16,-5 3 0 0,-3 2 48 0,-4 1 16 0,-2 4 0 0,-3 2 0 16,-1 0-288-16,1 3-160 15,-1-1 192-15,1 4-192 0,-1 1 0 0,5 2 0 16,2 1 0-16,2-2 0 0,2-2 0 0,2 0 0 16,1-2 0-16,4-1 0 0,2-1 0 0,3-1 0 15,2-1 0-15,-1-7 0 0,0 0 0 0,0 0 0 0,0 0 0 0,10 2-144 16,2 1 144-16,1-2-128 0,2-1 128 0,3-1-128 15,1-3-80-15,5-1-16 0,-2-2 0 0,0 1 0 0,2 2-64 0,-2 0-16 16,-3 1 0-16,-2-1 0 16,-5 4 48-16,-4-1 0 0,-8 1 0 0,0 0 0 0,0 0 256 0,4 12 0 15,-2-2 0-15,0 2 0 0,-2 0 0 0,1-2 224 16,2-2-32-16,0 1-16 0,3 0-176 0,2 0 0 16,2 1 0-16,0-1 128 0,3-4-128 0,-1-1-176 15,0-2 48-15,1-2 0 16,-3 0 0-16,-1-2 0 0,2 0 0 0,-3 0 0 15,0-1-64-15,-1-3 0 0,0-2 0 0,-1-1 0 0,1-2 0 0,1 0 0 16,0-1 0-16,2-1 0 0,0 0 32 0,2 2 0 16,0-2 0-16,1 0 0 0,-1 3 800 0,1 1 144 15,1 2 48-15,-1 1 0 16,0-1-1488-16,0 2-304 0,-2 1-48 0,-1 0-16 0,-1 3 1200 0,-1 1 224 16,-8 0 48-16,0 0 16 0,9 6-32 0,-9-6-16 15,7 10 0-15,-2-3 0 0,-5-7-128 0,2 16-32 16,-2-16 0-16,2 12 0 0,-2-1-128 0,0 0-128 15,-2-2 144-15,2 0-144 0,2 0 0 0,-2-9 0 16,1 9 0-16,3-1 0 0,4 5 0 0,2-1-160 16,5 0 0-16,0-3 0 15,5-3-384-15,3-3-80 0,2-2-16 0,2-2 0 16,2 1-192-16,-3-1-64 0,-1-1 0 0,0-3 0 0,-3-3 128 0,-3-2 32 0,1-1 0 0,-2 2 0 16,-1 0 592-16,-1 1 144 0,-2-3 0 0,-1 2 0 15,-1 1 560-15,-3 1 144 0,-2 2 16 0,-2 0 16 16,-5 5-96-16,0 0 0 0,0 0-16 15,-7-4 0-15,-2-1 112 0,0 3 32 0,-3 5 0 0,2 2 0 16,-1 3-384-16,1 2-64 0,1 2 0 16,1 1-16-16,1 0-304 0,2 2 0 0,3-1 0 0,2 0 0 15,2 1 0-15,3-1-144 0,3-5 144 0,3-1-128 16,2-2-64-16,2-2 0 0,5-1 0 0,3-3 0 16,5 1 192-16,3-2-192 0,3-4 192 0,4-2-192 0,1-1-128 0,-1-2-48 15,0-3 0-15,-2 1 0 0,-2-2 16 0,-4-3 0 16,-4 0 0-16,0-8 0 0,-4 0 0 0,-1-5 0 15,-1 2 0-15,-1-5 0 0,-1-1 352 0,2 0-176 16,0-5 176-16,-2 3-128 0,0 2 336 0,-1 0 80 16,-3 1 16-16,-3 5 0 0,-5 2 416 15,0 5 96-15,-4 4 16 0,-2 6 0 0,-1 3-64 0,-4 7-16 16,-2 4 0-16,-2 7 0 0,-3 3-368 0,-3 8-80 16,-5 4-16-16,-1 5 0 0,-2 4-288 0,-1-2 0 15,-1 9 0-15,2-5 0 0,0 1 0 0,2-2 0 16,4 0 0-16,2-2 0 0,5-3 0 0,2-4 0 15,3-3 0-15,1-2 0 0,3-4 0 0,1-3 128 16,0-2-128-16,1-4 0 0,-1-8 0 0,0 0 0 16,5 7 0-16,2-5 0 0,2-2 0 0,-1-2 0 15,0-1 0-15,1-10 0 0,-2-1-128 0,1-1 128 16,0 1 0-16,-1 3-144 0,-2 2 144 0,0 1 0 0,0 1 0 0,-5 7 0 16,0 0 192-16,0 0 32 15,0 0 0-15,0 0 0 0,0 0 288 0,3 11 64 0,-2 4 16 0,2 2 0 16,1 0-304-16,1 1-64 0,1-2-16 0,5 0 0 15,1 1-208-15,1-4 0 0,2 2 0 0,1-3 0 32,1-2-448-32,2-1-48 0,2-1 0 0,1-2-11392 0,2-3-2272 0</inkml:trace>
   <inkml:trace contextRef="#ctx0" brushRef="#br0" timeOffset="135787.41">28820 7814 23951 0,'20'-15'1056'0,"-9"9"224"0,5-5-1024 0,11-5-256 16,3 0 0-16,-8-1 0 0,3-3 1456 0,3-3 224 15,-1-4 48-15,3 2 16 0,0 0-768 0,0-2-144 0,-1 2-48 0,-1-4 0 16,2-1-448-16,-1 3-80 0,-2-3-32 0,-2 0 0 15,0 0-80-15,-3 1-16 0,-2 6 0 0,-7 3 0 16,-4 7 176-16,-4 5 16 0,-2-1 16 0,-3 9 0 16,-8 3 208-16,-5 3 32 0,-2 7 16 0,-4 7 0 15,-5 3-448-15,-2 5-144 0,0 2 0 0,0 5 0 16,0 1 0-16,3 2 0 0,0-1 0 0,5-2 0 16,3-2 0-16,3-4 0 0,4-1 0 0,3-3 0 15,2-3 128-15,3-4-128 0,3-2 0 0,2-3 0 0,4-3-192 0,0-1-112 16,2-3-16-16,-2-1 0 15,0-4-704-15,-3-1-128 0,1-3-48 0,-2 1-8944 16,-5 2-1792-16</inkml:trace>
-  <inkml:trace contextRef="#ctx0" brushRef="#br0" timeOffset="135958.38">28832 7507 24639 0,'0'0'1088'0,"-6"-2"240"0,6 2-1072 0,0 0-256 0,-2-4 0 0,2 4 0 0,1-4 1696 0,4 1 288 16,5-1 48-16,1 3 16 0,6 0-1136 0,4-2-208 15,4 2-64-15,4-2 0 0,2 3-272 0,0 0-64 16,4 0-16-16,-1 0 0 0,-1 0-160 0,1 2-128 16,0 0 144-16,1 2-144 15,-3-1-512-15,0 1-192 0,-1-2-32 0,0 2-16 16,1 0-1856-16,-4 1-368 0,24 6-80 0,-23-5-16 0</inkml:trace>
+  <inkml:trace contextRef="#ctx0" brushRef="#br0" timeOffset="135958.37">28832 7507 24639 0,'0'0'1088'0,"-6"-2"240"0,6 2-1072 0,0 0-256 0,-2-4 0 0,2 4 0 0,1-4 1696 0,4 1 288 16,5-1 48-16,1 3 16 0,6 0-1136 0,4-2-208 15,4 2-64-15,4-2 0 0,2 3-272 0,0 0-64 16,4 0-16-16,-1 0 0 0,-1 0-160 0,1 2-128 16,0 0 144-16,1 2-144 15,-3-1-512-15,0 1-192 0,-1-2-32 0,0 2-16 16,1 0-1856-16,-4 1-368 0,24 6-80 0,-23-5-16 0</inkml:trace>
   <inkml:trace contextRef="#ctx0" brushRef="#br0" timeOffset="136721.4">29319 7758 26367 0,'0'0'1168'0,"0"0"240"0,0 0-1120 0,0 0-288 0,3-8 0 0,1 1 0 15,-2 0 1008-15,5-3 144 0,1 0 16 0,1 1 16 16,0 1-736-16,3-1-160 0,2-4-32 0,3 2 0 16,1 2-256-16,2 0 160 0,3-1-160 0,1-3 128 15,-1-2-128-15,-1 2 0 0,-1 0 0 0,-2 4-176 16,-1 1 176-16,-1 2 0 0,-3-1 0 0,-4 2 0 0,1-1 256 0,-2 2-32 15,-2 1 0-15,-7 3 0 0,0 0 128 0,0 0 32 16,0 0 0-16,0 0 0 0,0 0-64 0,0 0 0 16,0 0 0-16,7 5 0 0,-7-5-48 0,7 9-16 15,-1 2 0-15,1-5 0 0,-7-6-48 0,0 0-16 16,8 7 0-16,-2-2 0 0,0 3-48 0,-1-2-16 16,-5-6 0-16,4 11 0 0,-4-11-128 0,1 8 128 15,-1 2-128-15,-3 2 128 0,-1-4-128 0,-1 3 0 16,-1 4 0-16,-2-2 0 0,-1-1 0 0,0-1 0 15,-2 2 0-15,2 0 0 0,1-1 0 0,2 2 0 16,-1-3 0-16,3-1 0 0,4-10 0 0,0 9-144 16,3 1 0-16,3-3 0 0,4 0 16 0,1-2 0 0,4-2 0 15,2-2 0-15,2-2 128 0,2-2 0 0,2-1 0 0,4-1 0 16,-1-2-128-16,1 1 0 0,3-3 0 0,1 2 0 16,2 1 128-16,-1-1-128 0,2-1 128 15,-1 2-128-15,-3-3 128 0,-3 0 0 16,-2-2 128-16,-4 3-128 0,-3-1 176 0,-2 1-48 0,-4 2 0 0,-5-3 0 15,-1 1-128-15,-3 0 128 0,-3-1-128 16,-1 1 128-16,-1 2 64 0,-2 0 0 16,-2 4 0-16,0 2 0 0,-2 0-192 0,0 0 128 15,-2 0-128-15,1 6 128 0,0 1-128 0,-1 2-176 0,1 1 48 0,2 2 0 16,1 0 128-16,2 0-128 0,3-1 128 0,1 2-128 16,3 0 128-16,2-2 0 0,1 2 128 0,2-4-128 15,1 0 0-15,3-1 0 0,2-3 0 0,2 0 0 0,0 2-176 0,1-4-48 16,0-1-16-16,1-1 0 0,0-2-112 0,2-1-32 15,-2-1 0-15,2 0 0 0,0-3 112 0,4-1 16 16,2 1 0-16,3-2 0 0,1-2 256 0,0 0-128 16,0-1 128-16,-2 2 0 0,1-1 0 0,-4-1 0 15,-3 2 0-15,-4-2 0 0,-5-1 0 0,-4-1 128 16,-5 0-128-16,-3 0 144 0,-3-1 48 0,-6 0 0 16,-5-3 0-16,-3 2 0 15,-1 7 144-15,0 3 48 0,-1 5 0 0,1 3 0 0,0 1-128 0,3 4-32 16,0 1 0-16,1 2 0 0,3 3-224 15,4 1 128-15,3 1-128 0,5 1 0 0,2 0 240 0,3-2-48 16,8-2-16-16,4 2 0 0,7-1 80 0,6 0 32 16,3 1 0-16,3-2 0 0,1-3-96 0,0-2-32 15,0 1 0-15,0-2 0 16,-1-1-880-16,-2 1-176 0,0-1-48 0,-1 1-10160 16,0 1-2032-16</inkml:trace>
   <inkml:trace contextRef="#ctx0" brushRef="#br0" timeOffset="139101.06">3291 7973 19343 0,'-10'-8'848'0,"-1"1"192"0,-4 2-832 0,2 5-208 0,0 5 0 0,-6 2 0 16,-7 2 2080-16,0 9 368 15,0 8 80-15,-1 4 16 0,1 7-1840 0,0-1-352 0,-1-2-80 0,2 2-16 16,0-5-112-16,14-10-16 16,-1 6-128-16,1-2 192 0,2 4-64 0,3-2 0 15,1 2-128-15,2-3 192 0,2-2-48 0,6 18-16 0,5-5 0 0,5-10 0 16,3-5-272-16,4-5-64 0,4-8-16 0,4-5-8736 31,3-9-1760-31</inkml:trace>
   <inkml:trace contextRef="#ctx0" brushRef="#br0" timeOffset="139439.18">3512 8390 16575 0,'0'0'736'0,"0"0"160"0,0 0-720 0,0 0-176 16,0 0 0-16,0 0 0 0,0 0 3072 0,15-1 576 16,2-2 112-16,2-2 16 0,2-6-2928 0,1 1-592 15,2 0-112-15,0 0-16 0,4 1 128 0,-1 0 16 16,2 0 16-16,-6-1 0 0,-6-3-160 0,-1 2-128 15,-2 3 144-15,-1 1-144 0,-6-3 160 0,-1 3-160 16,-6 7 160-16,0 0-160 0,0 0 144 0,0 0-144 16,0 0 128-16,0 0-128 0,0 0-160 0,-12 1-112 15,-1 3-32-15,-2 4 0 16,-1 5-192-16,-3 0-32 0,-5 1-16 0,-2-1 0 0,-1 3 288 0,-3 2 64 16,-2 0 16-16,6 3 0 0,3-4 176 0,7 3 0 15,5-1 0-15,1 1 0 0,4-2 256 0,1-2-32 16,3-3 0-16,6-2 0 0,4 1-96 0,3 1 0 15,2-1-128-15,2-2 192 0,5 2-192 0,2-5 0 16,0-5 0-16,3-2 0 16,4 1-528-16,-2-2-48 0,0-3-16 0,-1 2-7952 15,0-7-1584-15</inkml:trace>
@@ -761,7 +761,7 @@
   <inkml:trace contextRef="#ctx0" brushRef="#br0" timeOffset="-168288.5">7577 12171 12895 0,'2'-8'576'0,"-1"0"112"0,-6-23-560 0,7 22-128 15,1 2 0-15,1-3 0 0,0-1 3168 0,0 0 608 16,-2 0 112-16,-1-2 16 0,-3-1-2032 0,1 1-400 16,1 0-96-16,-2 1-16 0,-3 0-352 0,1 1-80 15,0 1-16-15,-1 3 0 0,-3-3-272 0,-2 3-64 16,-1-2-16-16,0 3 0 0,-5 1-240 0,-2 2-32 0,-2 2-16 0,6-1 0 16,-3 2-272-16,-1 2 0 15,-3 1 0-15,1 2 0 0,1 0 0 0,0 3 0 16,0 1-240-16,3 0 80 0,2 2 160 0,1-1-128 15,2 1 128-15,2 0-128 0,0 0 128 0,4 2-160 0,2 0 160 0,3-1-160 16,2-1 160-16,0 1 0 0,3 0-144 0,3-2 144 16,3 1 0-16,0-1 0 0,1 0 0 0,2 2 0 15,2-1 0-15,1 0 0 16,0 0 0-16,5 2 0 0,-6-3-160 0,-3-2 160 0,-4-1 0 16,-9-7-144-16,0 0 144 0,0 0-160 0,3 10 160 15,-6 2-160-15,-5-4 160 0,-5 2-128 16,-1 2 128-16,-1-3-128 0,0 3 128 0,-2-2 0 0,-1 2 0 0,-1-4 0 15,1-2 0-15,2 1 0 0,2-3 0 0,2-1 0 16,5 1 0-16,7-4 0 0,-4 8 0 0,4-8 128 16,0 0-592-16,5 5-112 0,4 2-32 0,3-7 0 15,3-3-1840-15,4-1-368 0,1-1-80 0,5-1-9424 16</inkml:trace>
   <inkml:trace contextRef="#ctx0" brushRef="#br0" timeOffset="-167339.52">7708 12214 21311 0,'0'0'944'0,"0"0"192"0,9 5-912 0,-9-5-224 0,0 0 0 0,0 0 0 0,11 12 1600 0,-11-12 256 16,11 9 64-16,-1 0 16 0,-1-1-784 0,2-2-176 16,-11-6-16-16,14 7-16 0,1-3-336 0,-2-2-64 15,1 1-16-15,0-3 0 0,-1 0-192 0,0-1-32 16,-1-2-16-16,-2 2 0 0,-10 1-64 0,12-5-16 16,-12 5 0-16,11-4 0 0,-11 4-80 0,0 0-128 15,1-9 176-15,-1 9-176 0,0 0 128 0,4-12-128 16,-8 0 0-16,-3 2 0 0,-4 2 0 0,-2-1-256 15,-4 0 32-15,0 1 0 16,-1 1-256-16,-1 1-48 0,1 2-16 0,1 1 0 0,1 2 192 0,3 1 32 16,2 1 16-16,2 3 0 0,9-4 48 0,-7 5 0 0,7-5 0 0,0 0 0 31,0 11-240-31,0-11-32 0,5 9-16 0,2-1 0 16,1-2-208-16,3 1-32 0,4-5-16 0,2 2 0 15,2-4-432-15,5 0-96 0,3 0-16 0,-1-2 0 16,-4 0-160-16,3 1-32 0,2 0-16 0,-2 1 0 0,-4 0 480 15,-1 0 112-15,-2 0 0 0,-3 0 16 0,-2 0 592 0,2 0 112 0,-3-3 32 0,-1 3 0 16,-2-1 848-16,1-2 160 0,-10 3 32 0,13-5 16 16,0 0 368-16,0 0 64 0,-2-2 0 0,4-1 16 15,0-4-96-15,4 1-32 0,1-1 0 0,5-1 0 16,3-3-608-16,2 1-128 0,2-2-32 0,1 1 0 16,-1 2-96-16,2-2-32 0,0-1 0 0,0-2 0 0,0 2 144 15,-3-2 32-15,-3 1 0 0,-4-5 0 0,-4-1-128 0,0-2 0 16,-2-1-16-16,-1 1 0 0,-3 1-80 0,-2 0-16 15,-3 3 0-15,-1 4 0 0,-2 3 368 0,-3 5 64 16,-3 3 0-16,-1 1 16 0,1 6 0 0,-6-1 0 16,-1 1 0-16,-6 4 0 0,-2 3-272 0,-3 9-64 15,-4 6-16-15,-4 7 0 0,-4 6-112 0,-4 4-32 16,-3-1 0-16,-1 4 0 0,2 2-160 0,2 3 0 16,4-1 0-16,4 1 0 0,4-3 0 0,6-2 0 15,3-3 0-15,7-3 0 0,3-3 0 0,3-5 0 0,4-1 0 0,4-7 0 16,2-1-176-16,5-4-64 15,0-4-16-15,2-2 0 0,1-5-16 0,2-2-16 16,1-2 0-16,6 0 0 16,8 0-96-16,-2-4-32 0,-4-2 0 0,-3-3 0 15,-5-6-224-15,-2 0-32 0,-1-5-16 0,1-1 0 0,-4 1 368 0,0 1 80 0,-2-4 16 0,-2 3 0 16,0 2 224-16,-3 4 0 16,-3 3 0-16,-5 11 0 0,0 0 272 0,0 0 112 15,0 0 0-15,0 0 16 0,0 0 256 0,-9 2 48 0,-2 4 16 0,-2 6 0 16,2 2-320-16,0 4-64 0,2 1-16 15,1 0 0-15,0 1-144 0,4-3-48 0,2-2 0 0,1-2 0 16,1-1-128-16,2-1 160 0,-2-11-160 0,8 9 160 0,-8-9-160 16,10 5-272-16,1-1 64 0,1-4 16 15,-2 0-208-15,3 0-48 0,0 0 0 0,-3 0 0 0,2-3 624 0,1-1 112 16,2-1 32-16,-1 0 0 16,3-3-1232-16,-1-1-240 0,-2 0-64 0,0-3 0 0,1 2 848 0,-4-1 176 15,0 2 16-15,-5 1 16 0,-2 3 160 0,-4 5 0 16,0 0 160-16,0 0-160 0,-1-5 736 0,1 5 48 15,-4 0 16-15,0 0 0 0,-2 4-144 0,0 2-16 16,1 3-16-16,1 2 0 16,2 1-240-16,-1-1-32 0,4 0-16 0,2-1 0 0,1-1-208 0,1 0-128 15,2-1 160-15,0-1-160 0,4-2 0 0,1-1 0 16,-1-2 0-16,2 0-160 0,-1-1-48 0,2-1-16 16,1-1 0-16,2-1 0 15,5 2-176-15,-3 0-48 0,0-2 0 0,-2-1 0 16,0 1-16-16,2-5-16 0,-5-1 0 0,-6 2 0 15,0-1-96-15,-3-1-32 0,0 1 0 0,1-1-12736 0</inkml:trace>
   <inkml:trace contextRef="#ctx0" brushRef="#br0" timeOffset="-165532.22">9625 11850 20271 0,'0'0'1792'0,"0"0"-1424"0,0 0-368 15,9 5 0-15,-3 4 976 0,-5 3 128 0,-2 1 32 0,-3 2 0 16,-4 1-960-16,-5 4-176 16,-1 2 0-16,-6 3 0 0,-3 2 256 0,-4 3 192 0,1 0 16 0,0 4 16 15,3 0 656-15,1-1 128 0,2 1 16 0,4-2 16 16,2 1-400-16,4-6-64 0,2-1-32 0,0 8 0 16,4-8-448-16,3-5-96 15,1-3 0-15,1-5-16 0,3-2-240 0,-4-11-208 16,11 8 32-16,-1-3 16 0,2-5-96 0,1 0-32 0,0-4 0 0,4 3 0 15,2-1 128-15,1 2 32 0,-1-6 0 0,5-1 0 16,2-1-480-16,0-1-96 0,-1-1 0 16,-2-1-16-16,-2-3-304 0,-1 1-64 0,-1 0-16 0,-3 1 0 15,-2-1 224-15,-2 7 48 0,-4 1 16 0,-8 5 0 0,8-7 528 0,-8 7 96 16,0 0 32-16,0 0 0 0,0 0 800 0,0 0 144 16,0 0 48-16,0 0 0 0,0 0 80 0,0 0 32 15,0 0 0-15,0 0 0 0,0 0-576 0,0 0-112 16,0 0-32-16,0 0 0 0,0 0-48 0,0 0-16 15,0 0 0-15,0 0 0 0,0 0 96 0,0 0 32 16,0 0 0-16,0 0 0 0,0 0 0 0,0 0 0 16,0 0 0-16,0 0 0 0,0 0-16 0,0 0 0 15,0 0 0-15,0 0 0 0,0 0 48 0,0 0 16 16,0 0 0-16,0 0 0 0,9-4-144 0,-9 4-16 16,0 0-16-16,0 0 0 0,0 0-160 0,0 0 160 15,0 0-160-15,0 0 160 0,0 0-160 0,0 0 160 16,0 0-160-16,0 0 160 0,0 0-160 0,0 0 0 15,0 0 0-15,0 0-176 0,0 0 176 0,0 0 144 16,0 0-16-16,0 0-128 0,0 0 192 0,0 0-192 16,0 0 192-16,5 13-192 0,-5-13 208 0,5 16-64 0,-2-4-16 0,-3-12 0 15,5 11 0-15,-5-11-128 0,5 13 192 0,-5-13-64 16,7 11-128-16,-7-11 160 0,7 10-160 0,-7-10 160 16,0 0-160-16,11 9 128 0,-11-9-128 0,12 4 128 15,-12-4-128-15,11 4 0 0,-11-4-192 0,13 1 192 16,-13-1-272-16,15 0 64 0,-2-1 16 0,-5 1 0 15,-1-1-96-15,1 1-16 0,4-5 0 0,1 1 0 16,0 0-144-16,1 0-16 0,1-1-16 0,-1-1 0 16,2 0 192-16,-1 1 32 0,1-2 16 15,-2 1 0-15,-2-1 240 0,0-1-144 0,0 2 144 0,-1-1-128 16,0 1 128-16,-2 1 0 0,0 1 128 0,0-2-128 16,-1 4 384-16,-8 2 0 0,0 0 0 0,0 0 0 0,8-4 0 15,-8 4 0-15,0 0 0 0,0 0 0 0,0 0-80 16,0 0-16-16,0 0 0 0,0 0 0 0,8 4-64 0,-2 1-16 15,-1 2 0-15,1 0 0 0,-1 1-16 0,0 1 0 16,-1-2 0-16,1-1 0 0,0 1 16 0,2-1 0 16,1 1 0-16,-1-2 0 0,1 0-208 0,0 1 176 15,0-3-176-15,0 0 160 0,1 0 0 0,0-1 0 16,0-2 0-16,-1 0 0 0,0 0-160 0,0-2 0 16,-8 2 144-16,7-4-144 0,1 0 0 0,-1 0 0 15,-2-3 0-15,-1 1 128 0,0-2-128 0,-2 0 0 16,0-1 128-16,-2-1-128 0,-2 1 0 0,1-1 0 15,0 1 0-15,-2 0 0 0,-2-1 0 0,-2-1 0 16,0 4 0-16,-1 0-128 0,-3 2-64 0,1 0 0 0,-2 1 0 0,0 2 0 16,-1 2 192-16,0 2-160 15,-1 0 160-15,1 1-160 0,1 2 160 0,1 0 0 16,1 2-144-16,3-1 144 0,0 1 0 0,2-1 0 16,1 1-144-16,4-7 144 0,0 0-144 0,4 8 144 15,1 0-208-15,2-2 80 0,0-1-128 0,3-2 0 0,0-2-16 16,2-1 0-16,2-1 80 0,2-2 32 0,1-1 0 15,0-1 0-15,-2 0-16 0,1 0 0 0,1-2 0 0,0 1 0 16,0-2 16-16,1 0 0 0,3 2 0 0,-2-1 0 16,-2 2 160-16,-2 1 0 0,0 1 0 0,0 3 0 15,-2 0 0-15,-3 3 144 0,-2 1 0 0,-2 0 0 0,0 2 208 0,-2 2 32 16,-3 1 16-16,0 0 0 0,-1 0 16 0,-1 1 0 16,0-1 0-16,-2 1 0 0,0 1-32 0,1-2 0 15,-1 0 0-15,2-3 0 0,1-6-384 0,-1 7 0 16,1-7 0-16,0 0 0 0,0 0 0 0,0 8 0 15,0-8 0-15,0 0 0 0,0 0-144 16,0 0 144-16,0 0-192 0,6 4 192 0,2-3-304 0,1-1 48 16,1-3 16-16,2-1 0 15,1-2-240-15,4-1-48 0,3 2-16 0,1-1 0 16,-1-4-160-16,1 4-16 0,1-3-16 0,-5-2 0 0,-4 1 288 0,-1 1 48 16,-1 2 16-16,-2 2 0 0,-3 4 384 0,-6 1 128 15,0 0 0-15,8 4 0 0,0 0 256 0,-3 2 48 16,-1 2 16-16,0 0 0 0,0 0-160 0,1 1-32 15,0-1 0-15,2-3 0 0,1-1-96 0,1 0-32 16,-1-2 0-16,1 1 0 0,0-3-128 0,0-3 0 16,0 2 0-16,2-2 0 0,-2-1 0 0,1-1-192 0,1 0 64 15,-1-2 128-15,0 2-272 0,2-1 64 0,0-2 16 0,1 0 0 16,1 0-160-16,2 0-32 0,0-1 0 0,0 1 0 16,3 1 384-16,-4 1 0 0,1 4 0 0,-2-2 0 15,1 4 192-15,-2 4 48 0,-2-2 16 0,-1 4 0 16,-3 0 256-16,1 3 64 0,0 0 16 0,0 3 0 15,-2 0-144-15,1 0-16 16,-1 1-16-16,0-2 0 0,-1 0-176 0,-1-1-48 0,1 1 0 0,-2-2 0 16,-2-1 64-16,-1-1 0 0,-3 1 0 0,-1-1 0 15,0-1-128-15,-2 1 0 0,-3 1-128 0,-3-2 192 16,-2-1-192-16,-2 2 0 0,-1 1-144 0,-9 2 144 16,3-5-576-1,7-2-32-15,-1 1 0 0,-4-3 0 0,3-2 32 0,9-2 0 0,0 1 0 16,2-2 0-16,1 0 576 0,0-4 0 0,1-1 0 0,3 2 128 0,3 1-128 15,1-1-144-15,-2 7 144 0,10-5-208 0,-3 2 208 0,6 2 0 16,3 0 0-16,2 1 0 0,2 1 0 0,2-1 160 16,2 1-160-16,0 2 128 0,5 2-128 0,4-1 0 15,4 5 0-15,-3-2-176 16,-2-2-1744-16,7-1-368 0,-7-3-64 0</inkml:trace>
-  <inkml:trace contextRef="#ctx0" brushRef="#br0" timeOffset="-161378.71">9916 11993 26607 0,'0'0'1168'0,"0"0"256"0,0 0-1136 0,-5-5-288 0,-2-1 0 0,2 1 0 16,0 1 1920-16,0 2 320 15,-3 2 64-15,3 0 0 0,-2 4-688 0,2 0-144 0,0 0-16 0,-1 3-16 16,3 2-784-16,0-4-144 0,3-5-48 0,-1 9 0 16,1 0-336-16,1 0-128 0,2 2 0 0,3-2 0 15,1 3-1216-15,-1-2-320 0,2 0-80 0</inkml:trace>
+  <inkml:trace contextRef="#ctx0" brushRef="#br0" timeOffset="-161378.72">9916 11993 26607 0,'0'0'1168'0,"0"0"256"0,0 0-1136 0,-5-5-288 0,-2-1 0 0,2 1 0 16,0 1 1920-16,0 2 320 15,-3 2 64-15,3 0 0 0,-2 4-688 0,2 0-144 0,0 0-16 0,-1 3-16 16,3 2-784-16,0-4-144 0,3-5-48 0,-1 9 0 16,1 0-336-16,1 0-128 0,2 2 0 0,3-2 0 15,1 3-1216-15,-1-2-320 0,2 0-80 0</inkml:trace>
   <inkml:trace contextRef="#ctx0" brushRef="#br0" timeOffset="-160806.3">9220 12173 15663 0,'-14'-14'1392'0,"14"14"-1120"16,0 0-272-16,-6-5 0 0,6 5 3024 0,-5-5 560 15,5 5 96-15,-4-7 32 0,2 1-2176 0,4 0-416 16,-2 6-96-16,11-6 0 0,0 2-320 0,4 0-64 15,2-2-16-15,4 0 0 0,2 0-256 0,3-1-48 16,5-2-16-16,3 0 0 0,1 1-176 0,6 0-128 0,4 6 192 0,1 0-192 31,1 2-1680-31,0-2-448 0,16-2-96 0,-20 0-11680 0</inkml:trace>
   <inkml:trace contextRef="#ctx0" brushRef="#br0" timeOffset="-160133.29">11775 12467 14735 0,'0'0'1312'0,"0"0"-1056"0,0 0-256 0,0 0 0 16,0 0 3040-16,8-4 544 0,4-3 128 0,1 1 0 15,2-3-2960-15,0-2-608 16,-1-2-144-16,2-1 0 0,-1-2 400 0,0-1 48 0,-1 0 16 0,2-1 0 16,-2 1-144-16,0 3-48 0,-1-6 0 0,-1 5 0 0,1 0-32 0,0 0-16 15,0 0 0-15,-2 1 0 0,-3 0-16 0,-3-1 0 16,0 0 0-16,-2 2 0 0,-3 1 528 0,-2 3 96 16,0-2 32-16,-4 6 0 15,-3 1-864-15,-2 4-320 0,-4 4 16 0,0 3 0 16,-5 2-768-16,2 4-144 0,-2 2-48 0,1 6 0 0,-3 1 1008 15,2 6 256-15,0-1 0 0,2 1 0 0,1-4 0 16,4-5 208-16,3-5-32 0,5 3-16 0,3 0-16 16,7-4 0-16,6 1 0 0,3-2 0 0,4-2 16 0,1-3 0 15,-1-6 0-15,2 0 0 0,2-1-32 0,4 0-128 16,1-1 192-16,4 0-64 0,5-2 592 0,1-1 112 16,4 2 32-16,3-2 0 15,0-3-3744-15,2 1-736 0</inkml:trace>
   <inkml:trace contextRef="#ctx0" brushRef="#br0" timeOffset="-159748.33">12732 12197 14735 0,'0'0'640'0,"0"0"160"0,3-8-640 0,-3 8-160 15,0 0 0-15,0 0 0 0,-4-5 3008 0,-3 5 576 16,-3 1 128-16,-3 3 0 0,-4 3-2112 0,0 2-448 0,-1 0-64 15,-12 9-32-15,0 0-480 0,4 2-80 0,3-2-32 0,4 2 0 16,-1-2-48-16,3-1-16 16,3 1 0-16,2-2 0 0,2-3-256 0,3 0-144 15,2 4 160-15,3-3-160 0,-1-2 0 0,0-6 0 0,3-6 0 0,0 0-160 16,0 0-432-16,0 0-96 16,0 0-16-16,0 0 0 0,-7-11-608 0,0-4-128 0,0 0-32 0,5-2 0 15,-1-5 176-15,2-3 16 0,0 0 16 0,-1 0 0 16,1-1 704-16,2 4 144 0,3 4 32 0,0 2 0 0,0 4 512 0,0 3 96 15,-4 9 32-15,0 0 0 0,0 0 896 0,0 0 192 16,0 0 48-16,0 0 0 0,12 15-432 0,-1 2-96 16,1-1-16-16,0 4 0 0,2 1-272 0,2 0-64 15,0-2-16-15,3 1 0 16,3-1-272-16,-6-7-48 0,0 0-16 0,3 2 0 0,3 2-160 16,0 1 0-16,3-3 0 0,-1-2 0 15,0-2-1360-15,10 3-304 0,-2-5-64 0,-13-4-11056 16</inkml:trace>
@@ -916,7 +916,7 @@
     </inkml:context>
   </inkml:definitions>
   <inkml:trace contextRef="#ctx0" brushRef="#br0">30397 18356 35647 0,'-2'-13'1584'0,"1"1"320"0,1 12-1520 0,2-9-384 0,3 1 0 0,3 1 0 16,3 1 0-16,2-1 0 0,4 0 0 0,3 0 0 15,5 0 0-15,4 5 0 0,2 1 0 0,3 1 0 16,3 0 320-16,0 1 0 0,1 1 0 16,-1 0 0-16,-3-4-320 0,-2 0 0 0,-3 2 0 15,1-1 0-15,0 1 0 0,1 0 0 0,0 3 0 0,1 1 0 32,-4 0-384-32,2 0-64 0,0 1 0 0,-1-1 0 15,-2 2-2272-15,0-4-464 0,-4-1-80 0,2 2-32 0</inkml:trace>
-  <inkml:trace contextRef="#ctx0" brushRef="#br0" timeOffset="465.98">31430 18107 28383 0,'3'-21'1264'0,"-1"12"256"0,2 1-1216 0,0 0-304 15,1-1 0-15,2 1 0 0,1 3 448 0,1 1 16 16,0 0 16-16,1 4 0 0,2-4 448 0,1 4 96 16,1 1 0-16,3 3 16 0,0 2-496 0,2 0-96 15,0 1-32-15,1 3 0 0,1-2-416 0,-2 2 128 16,-1 2-128-16,-2 1 0 0,-4-4 0 0,-2 2 0 16,-2 0 128-16,-3 1-128 0,-5-12 0 0,0 0 0 15,-2 9 0-15,-4 0 128 0,-4 0-128 0,-3 1 0 16,-5-7 0-16,-2 3 0 0,-2-2 0 0,-3-2-144 15,-1-1 144-15,0 2 0 0,0 2-208 0,1 1 64 16,2-5 16-16,3 4 0 0,3 2 128 0,5-4 0 16,3 1-144-16,9-4 144 0,-6 10 0 0,6-10 0 0,-1 13-144 0,3-4 144 15,-2-9-192-15,9 14 0 0,3 0 16 0,1-1 0 16,3-2-144-16,2-1-48 0,3 2 0 0,0 0 0 16,-1-1 176-16,1 0 16 0,-2 1 16 0,-4-6 0 15,-2 3 160-15,-4 2 0 0,-2-1 0 0,-7-10-128 16,0 0 128-16,0 0 192 0,-7 13-32 0,-3-2-16 15,-4-2 240-15,-5-1 32 0,-4-2 16 0,-3-1 0 16,-3 0-304-16,0 1-128 0,1-1 128 0,2 0-128 16,1-4 0-16,3 2 0 0,1 0-224 0,1-3 80 15,2-3-1440-15,2 2-272 0,5-2-64 0</inkml:trace>
+  <inkml:trace contextRef="#ctx0" brushRef="#br0" timeOffset="465.97">31430 18107 28383 0,'3'-21'1264'0,"-1"12"256"0,2 1-1216 0,0 0-304 15,1-1 0-15,2 1 0 0,1 3 448 0,1 1 16 16,0 0 16-16,1 4 0 0,2-4 448 0,1 4 96 16,1 1 0-16,3 3 16 0,0 2-496 0,2 0-96 15,0 1-32-15,1 3 0 0,1-2-416 0,-2 2 128 16,-1 2-128-16,-2 1 0 0,-4-4 0 0,-2 2 0 16,-2 0 128-16,-3 1-128 0,-5-12 0 0,0 0 0 15,-2 9 0-15,-4 0 128 0,-4 0-128 0,-3 1 0 16,-5-7 0-16,-2 3 0 0,-2-2 0 0,-3-2-144 15,-1-1 144-15,0 2 0 0,0 2-208 0,1 1 64 16,2-5 16-16,3 4 0 0,3 2 128 0,5-4 0 16,3 1-144-16,9-4 144 0,-6 10 0 0,6-10 0 0,-1 13-144 0,3-4 144 15,-2-9-192-15,9 14 0 0,3 0 16 0,1-1 0 16,3-2-144-16,2-1-48 0,3 2 0 0,0 0 0 16,-1-1 176-16,1 0 16 0,-2 1 16 0,-4-6 0 15,-2 3 160-15,-4 2 0 0,-2-1 0 0,-7-10-128 16,0 0 128-16,0 0 192 0,-7 13-32 0,-3-2-16 15,-4-2 240-15,-5-1 32 0,-4-2 16 0,-3-1 0 16,-3 0-304-16,0 1-128 0,1-1 128 0,2 0-128 16,1-4 0-16,3 2 0 0,1 0-224 0,1-3 80 15,2-3-1440-15,2 2-272 0,5-2-64 0</inkml:trace>
   <inkml:trace contextRef="#ctx0" brushRef="#br0" timeOffset="609.99">31920 18322 37487 0,'25'-9'1664'0,"-7"2"336"0,3 2-1600 0,3 1-400 16,0 1 0-16,4 2 0 0,2-2 880 0,0 6 80 15,-2-2 32-15,2 1 0 0,0 2-320 0,-1-1-64 16,0 4-16-16,1 2 0 16,1 5-1952-16,-1-2-400 0</inkml:trace>
   <inkml:trace contextRef="#ctx0" brushRef="#br0" timeOffset="1678.21">1703 870 32319 0,'-4'-5'0'0,"0"2"0"0,5 3 0 0,-32-24 0 0,31 24 688 0,12 1 144 0,3-1 16 0,6-1 16 15,4-2 224-15,-4 0 32 0,5 1 16 0,5-2 0 16,6 0-672-16,3 1-128 0,3-2-16 0,0 1-16 16,-3 0-176-16,0 0-128 0,-3-1 192 0,-1 0-192 15,-3 0 144-15,-1 1-144 0,-4-3 0 0,-1 2 144 16,-5 1-496-16,-3 3-96 0,1 3-32 0,-5 2 0 31,-3-2-1936-31,-3 0-384 0,-2 5-80 0,-7-7-10304 0</inkml:trace>
   <inkml:trace contextRef="#ctx0" brushRef="#br0" timeOffset="1851.22">2169 883 1839 0,'-28'12'160'0,"11"0"-160"16,-4 1 0-16,5-2 0 0,-2 6 4288 0,-3 3 816 16,-4 5 160-16,1 3 48 0,-1 2-2672 0,1 2-528 15,0 0-96-15,3-2-32 0,2 0-672 0,4-1-144 16,0-7-16-16,5 0-16 0,1-2-576 0,2-5-112 15,4 0-32-15,0-2 0 0,2-1-240 0,2-2-48 16,-1-10-128-16,4 9 192 16,1 0-528-16,2-1-112 0,0-1-32 0,2-2 0 15,2-5-672-15,2-2-144 0,1-1-32 0,5-5-7456 16,0-4-1504-16</inkml:trace>
@@ -968,7 +968,7 @@
   <inkml:trace contextRef="#ctx0" brushRef="#br0" timeOffset="68631.2">25037 2748 15663 0,'0'0'1392'16,"0"0"-1120"-16,0 0-272 0,0 0 0 0,0 0 1744 0,0 0 304 15,0 0 48-15,0 0 16 0,1 14-1728 0,1-1-384 16,1 0 0-16,0-3 0 0,1 3 0 0,0 2 0 16,2-4 0-16,3 6 0 0,2 3 432 0,0-2-32 15,2-2 0-15,2-4-7536 0,2-2-1504 0</inkml:trace>
   <inkml:trace contextRef="#ctx0" brushRef="#br0" timeOffset="68853.2">25545 2734 12895 0,'0'0'576'0,"0"0"112"0,0 0-560 0,0 0-128 0,-4 11 0 0,-2 2 0 16,-5 5 2176-16,-1 6 384 15,-1 0 96-15,-1 3 16 0,-2 1-2336 0,-1 3-336 0,1 1-320 0,-1 0 64 16,-2 1 576-16,5-3 96 15,1 3 32-15,4-2 0 0,2-1-176 0,3-3-16 0,4-2-16 0,3-3 0 16,2-1 144-16,2-4 48 0,1-4 0 0,1 0 0 16,1 0-64-16,1 0-16 0,0-9 0 0,0 0 0 15,-2-5-640-15,-1-3-128 0,-2-2-32 0,-1-4 0 0</inkml:trace>
   <inkml:trace contextRef="#ctx0" brushRef="#br0" timeOffset="69009.2">25220 3010 11967 0,'0'0'1072'0,"0"0"-864"16,-5-6-208-16,3 1 0 0,0 3 2800 0,2 2 512 16,0 0 96-16,8 0 32 0,0 1-2592 0,4 0-512 15,1 0-96-15,4-1-32 0,2 3 496 0,3-3 112 16,3 1 16-16,3 2 0 0,0-3-320 0,2 1-48 16,0 4-16-16,0-1 0 0,0 3-448 0,0 1 0 15,-1 0-208-15,-3-1 64 0</inkml:trace>
-  <inkml:trace contextRef="#ctx0" brushRef="#br0" timeOffset="70683.4">25662 3259 16751 0,'0'0'736'0,"0"0"160"0,0 0-704 0,0 0-192 15,0 0 0-15,0 0 0 0,0 0 1696 0,0 0 304 16,-9-16 64-16,9 16 16 0,0 0-1056 0,0 0-192 16,0 0-64-16,0 0 0 0,9-4-128 0,2 0-16 15,2-1-16-15,2 0 0 0,2-1-288 0,2 3-48 16,-1-7-16-16,0 3 0 0,2-1-128 0,-1-1-128 16,2 0 144-16,0-2-144 0,-1 3 192 0,-2-1-64 15,-1 0-128-15,-2 0 192 0,0-2-192 0,-1 1 176 16,-2 0-176-16,-2 0 160 0,-2-3 16 0,-1 3 0 15,-2-3 0-15,-1 3 0 0,-3-1-176 0,-1 2 0 16,-1 0 144-16,-2 1-144 0,-2 0 0 0,-2 2 0 16,-2 0 0-16,-1 3-128 0,-2 0-96 0,-2 3-16 15,-1 3 0-15,-2 0 0 0,-2 3-48 0,-1 0-16 16,-2 3 0-16,3 3 0 0,-1 2 16 0,2 3 0 0,0 2 0 16,1 1 0-16,2 3 112 0,2-1 32 0,4 0 0 0,1 0 0 15,3-1 144-15,4 0 0 0,2 1 0 0,4-1 0 16,3-2 240-16,4 0-32 0,4-2 0 0,3 0 0 15,3-4 112-15,6 1 32 0,4 3 0 0,1-3 0 16,-2 1-528-16,3-5-96 0,0-2-32 0</inkml:trace>
+  <inkml:trace contextRef="#ctx0" brushRef="#br0" timeOffset="70683.39">25662 3259 16751 0,'0'0'736'0,"0"0"160"0,0 0-704 0,0 0-192 15,0 0 0-15,0 0 0 0,0 0 1696 0,0 0 304 16,-9-16 64-16,9 16 16 0,0 0-1056 0,0 0-192 16,0 0-64-16,0 0 0 0,9-4-128 0,2 0-16 15,2-1-16-15,2 0 0 0,2-1-288 0,2 3-48 16,-1-7-16-16,0 3 0 0,2-1-128 0,-1-1-128 16,2 0 144-16,0-2-144 0,-1 3 192 0,-2-1-64 15,-1 0-128-15,-2 0 192 0,0-2-192 0,-1 1 176 16,-2 0-176-16,-2 0 160 0,-2-3 16 0,-1 3 0 15,-2-3 0-15,-1 3 0 0,-3-1-176 0,-1 2 0 16,-1 0 144-16,-2 1-144 0,-2 0 0 0,-2 2 0 16,-2 0 0-16,-1 3-128 0,-2 0-96 0,-2 3-16 15,-1 3 0-15,-2 0 0 0,-2 3-48 0,-1 0-16 16,-2 3 0-16,3 3 0 0,-1 2 16 0,2 3 0 0,0 2 0 16,1 1 0-16,2 3 112 0,2-1 32 0,4 0 0 0,1 0 0 15,3-1 144-15,4 0 0 0,2 1 0 0,4-1 0 16,3-2 240-16,4 0-32 0,4-2 0 0,3 0 0 15,3-4 112-15,6 1 32 0,4 3 0 0,1-3 0 16,-2 1-528-16,3-5-96 0,0-2-32 0</inkml:trace>
   <inkml:trace contextRef="#ctx0" brushRef="#br0" timeOffset="70811.39">26452 3372 20271 0,'-23'-23'896'0,"14"15"192"0,-2 2-880 0,0 3-208 16,-1 0 0-16,0 2 0 15,2 2 2656-15,1 2 480 0,1-2 112 0,1-1 16 16,7 0-2112-16,0 0-400 0,4 14-96 0,7-2-15520 16</inkml:trace>
   <inkml:trace contextRef="#ctx0" brushRef="#br0" timeOffset="74585.98">29188 1565 24191 0,'0'0'528'0,"-3"-6"112"0,0-1 32 0,-1-2 0 0,-1-3-544 0,-1 0-128 16,-1 3 0-16,1 0 0 0,-3 1 736 0,1 2 112 16,0 2 32-16,-1 3 0 0,0 1-752 0,-2 4-128 15,1-3 0-15,-2 4-128 16,-1 7-256-16,-4 2-32 0,-1 3-16 0,-3 1 0 0,1 4 432 0,0 5 0 16,-1-3 0-16,0 6 0 0,1 3 288 0,2-1-16 15,0 1 0-15,2-4 0 0,3-1-96 0,3 1-32 16,1-3 0-16,3 2 0 0,5-2-16 0,4-4-128 15,1 0 192-15,3 0-64 0,4-2 0 0,3-2 0 16,2-2 0-16,5-2 0 0,3-1-128 0,4-1 0 0,2-4 0 0,2-2 0 16,4-2 128-16,0-3 0 15,2-1 0-15,0-2 0 0,0-2 16 0,-1-3 0 16,1 1 0-16,-1-5 0 0,-3 1 32 0,-1-2 0 0,0-2 0 16,0-1 0-16,-5 1-48 0,-2-2 0 0,-3 1 0 15,-4-1 0-15,-3-2 112 0,-5 1 16 0,-1-1 0 0,-5-1 0 16,-3 0-64-16,-3 1 0 0,-3-2 0 0,-2-1 0 15,-5-2 0-15,-2 1-16 0,-4-3 0 0,-1 4 0 16,-2 3-176-16,0 2 0 0,-3 2 0 0,3 3 0 0,-1 3-224 0,1 6-128 16,2 1-32-16,1 1-13664 15</inkml:trace>
   <inkml:trace contextRef="#ctx0" brushRef="#br0" timeOffset="75050.98">28802 2315 17503 0,'2'-15'384'0,"0"10"64"0,-1-1 32 0,-1 0 32 0,0 6-512 0,0-7 0 16,-1-5 0-16,-1 4 0 0,0 7 1680 0,2 1 240 0,-8 8 64 0,-3 5 0 15,-3 2-1488-15,-2 5-304 0,0-1-48 0,-3 5-16 16,-3 2-128-16,-1 3 128 0,-5 2-128 0,1 1 128 16,0 0 64-16,-1 2 16 0,2 0 0 0,1-1 0 0,2-1 64 15,2-2 16-15,3-2 0 0,2-7 0 0,4 1-288 0,5 1 0 16,3 4 0-16,4-2 0 15,-2-2-816-15,5-5-64 0,2-2-16 0,2-6 0 0</inkml:trace>
@@ -984,7 +984,7 @@
   <inkml:trace contextRef="#ctx0" brushRef="#br0" timeOffset="77997.28">29682 2732 21423 0,'0'0'464'0,"0"0"112"0,0 0 0 0,-4-4 32 0,0 0-480 0,-1 1-128 16,-1 0 0-16,3 3 0 0,3 0 896 0,0 0 144 0,0 0 48 0,0 0 0 15,0 0-1088-15,0 0-192 16,0 0-64-16,1 9 0 0,-1-9 256 0,6 7-144 16,4-1 144-16,0-4-128 0,0-2 128 0,3-2 224 15,2 0-48-15,-1-2-16 0,0 2-160 0,-1-3 192 0,-1 1-192 0,0-1 192 16,-2 1 48-16,1 0 16 0,-1 2 0 0,1-2 0 16,-4 2-256-16,0 2-128 0,-7 0 128 0</inkml:trace>
   <inkml:trace contextRef="#ctx0" brushRef="#br0" timeOffset="78350.28">30276 2690 21071 0,'0'0'928'0,"0"0"208"0,0 0-912 0,-4-4-224 16,-1 0 0-16,1 0 0 0,0 3 1248 0,4 1 208 16,0 0 32-16,0 0 16 0,0 0-1104 0,0 0-208 15,0 0-64-15,0 0 0 0,0 0-128 0,0 0 0 16,0 0 0-16,8-2 0 0,1-4 0 0,2 2 0 16,-1-2 0-16,2 1 0 0,-2-2 0 0,1 3 0 0,-2 0 0 0,-1-1 0 15,-3 1 128-15,-1 3-128 0,-4 1 192 0,0 0-64 16,1-7 48-16,-1 7 0 15,1-5 0-15,-1 5 0 0,0 0-32 0,-2-4 0 16,-1 2 0-16,-1-2 0 0,4 4-144 0,-6-2 0 16,-2 1 0-16,0 1 0 0,0 0 0 0,-1-1 0 15,1 0-192-15,0 2 192 0,2 1-304 0,-1 1 64 0,2-2 16 0,0 3 0 16,5-4-1808-16,-5 3-352 0</inkml:trace>
   <inkml:trace contextRef="#ctx0" brushRef="#br0" timeOffset="78637.3">30035 2635 19007 0,'0'0'832'0,"0"0"192"0,0 0-832 0,0 0-192 16,0 0 0-16,0 0 0 0,0 0 912 0,0 0 144 15,0 0 32-15,4 11 0 0,1-2-928 0,2-1-160 16,-1 1 0-16,1-3 0 0,1-2-144 0,1 2 144 15,0-3 0-15,1 1 0 0,-1-4 0 0,3 0 0 16,0 0 192-16,0-2-48 0,-1-1 160 0,2-2 16 16,0 0 16-16,0-2 0 0,0-1-16 0,0 2-16 0,1-6 0 0,-3 3 0 15,1 0 112-15,-2 0 32 16,-2-2 0-16,-1 1 0 0,-2-2-96 0,-1 2-16 16,-2-2 0-16,0 3 0 0,-2 2-32 0,0 7-16 15,-2-9 0-15,2 0-13088 0</inkml:trace>
-  <inkml:trace contextRef="#ctx0" brushRef="#br0" timeOffset="82542.93">28342 3056 14047 0,'0'0'304'0,"0"0"64"0,0 0 16 0,-3-6 16 0,4-2-400 0,-1 2 0 16,-1-1 0-16,-2 1 0 16,-1-2 1648-16,-1-3 240 0,-1-3 48 0,-3 2 16 0,1 2-336 0,-1 1-64 15,-2 2-16-15,-4 2 0 0,-1 0-944 0,0 5-192 16,-1 1-32-16,3 4-16 0,1 3-352 0,0 1-160 16,0 3 16-16,1 4 0 0,-1 1-80 0,3 2-16 15,-1-1 0-15,1 2 0 0,1 2 112 0,1 0 128 16,3 0-208-16,2 1 80 0,2-3 128 0,3-3 0 15,2-4 0-15,4-1 0 0,1-1 0 0,4-6 0 16,3-1 128-16,2-2-128 0,2-3 256 0,-6-2 0 0,3 0-16 0,2-1 0 16,2-2-240-16,-1 0 128 15,-1-1-128-15,0 0 0 0,-2-3 208 0,-2 0-48 16,-2 0-16-16,-1-2 0 0,-4 1 96 0,0 1 16 0,-3-3 0 0,-1 1 0 16,-2 0-64-16,1 2 0 0,-2 0 0 0,1 0 0 15,-2 10-192-15,0-9 0 0,0 9 0 0,0-8 0 16,0 8-736-1,4-6-192-15,1 2-32 0,4 0-7200 16,3 4-1440-16</inkml:trace>
+  <inkml:trace contextRef="#ctx0" brushRef="#br0" timeOffset="82542.92">28342 3056 14047 0,'0'0'304'0,"0"0"64"0,0 0 16 0,-3-6 16 0,4-2-400 0,-1 2 0 16,-1-1 0-16,-2 1 0 16,-1-2 1648-16,-1-3 240 0,-1-3 48 0,-3 2 16 0,1 2-336 0,-1 1-64 15,-2 2-16-15,-4 2 0 0,-1 0-944 0,0 5-192 16,-1 1-32-16,3 4-16 0,1 3-352 0,0 1-160 16,0 3 16-16,1 4 0 0,-1 1-80 0,3 2-16 15,-1-1 0-15,1 2 0 0,1 2 112 0,1 0 128 16,3 0-208-16,2 1 80 0,2-3 128 0,3-3 0 15,2-4 0-15,4-1 0 0,1-1 0 0,4-6 0 16,3-1 128-16,2-2-128 0,2-3 256 0,-6-2 0 0,3 0-16 0,2-1 0 16,2-2-240-16,-1 0 128 15,-1-1-128-15,0 0 0 0,-2-3 208 0,-2 0-48 16,-2 0-16-16,-1-2 0 0,-4 1 96 0,0 1 16 0,-3-3 0 0,-1 1 0 16,-2 0-64-16,1 2 0 0,-2 0 0 0,1 0 0 15,-2 10-192-15,0-9 0 0,0 9 0 0,0-8 0 16,0 8-736-1,4-6-192-15,1 2-32 0,4 0-7200 16,3 4-1440-16</inkml:trace>
   <inkml:trace contextRef="#ctx0" brushRef="#br0" timeOffset="82828.92">28770 3050 18191 0,'0'0'800'0,"0"0"176"0,0 0-784 0,0 0-192 15,0 0 0-15,0 0 0 0,-6-5 1120 0,-1 2 176 16,-2 3 48-16,0 3 0 15,0-1-320-15,-4 7-48 0,0-2-16 0,0 5 0 0,-1 1-768 0,-1 0-192 16,1 2 0-16,1 1 0 0,0 1 0 0,0 0 0 16,2-3 0-16,5 1 0 0,2-4 0 0,3 0 0 15,2-2 0-15,3-1 0 0,1-2 0 0,4 0 0 16,2-6 0-16,2 0 144 0,1-4 112 0,3 0 32 16,2-1 0-16,2-3 0 0,2-1-288 0,0-2 160 15,2-2-160-15,-2 0 128 0,1 0-128 0,-2-3 0 16,0 2 0-16,-1-2 0 0,-4 3 208 0,-2-1 16 0,-3 1 0 0,0 3 0 15,-2 3-16-15,-1 2 0 16,-5-3 0-16,-4 8 0 0,0 0-352 0,0 0-80 16,0 0-16-16,0 0 0 15,0 0-2624-15,0 0-528 0,0 0-96 0,0 0-32 0</inkml:trace>
   <inkml:trace contextRef="#ctx0" brushRef="#br0" timeOffset="83064.64">29120 3139 22335 0,'-15'7'496'0,"8"-3"96"0,-5 0 32 0,0 1 0 0,3 2-496 0,1 0-128 16,2-4 0-16,1 4 0 0,5-7 640 0,0 0 96 15,0 0 32-15,0 0 0 0,11 8-768 0,4-2 0 16,0 0 0-16,1-5 0 0,0 0 0 0,-1-2 0 15,2 0 0-15,0-3 0 16,0 0-2048-16,0 0-368 0,-1-1-64 16,-1-2-16-16</inkml:trace>
   <inkml:trace contextRef="#ctx0" brushRef="#br0" timeOffset="83228.64">29459 3118 23439 0,'0'0'512'0,"0"0"96"0,0 0 32 0,0 0 32 0,0 0-544 0,0 0-128 15,0 0 0-15,-3 8 0 0,3-8 304 0,0 0 16 16,1 10 16-16,5 0 0 0,0 1-208 0,3-2-128 16,3-1 128-16,1-2-128 15,1 0-1408-15,3-4-368 0,21-1-64 0,-4-1-16 0</inkml:trace>
@@ -1135,7 +1135,7 @@
   <inkml:trace contextRef="#ctx0" brushRef="#br0" timeOffset="-804.67">21238 12082 19343 0,'0'0'1728'0,"0"0"-1392"0,-6-8-336 0,6 8 0 15,0 0 1664-15,0 0 272 0,0 0 48 0,0 0 16 16,0 0-1120-16,13 6-240 0,2-1-32 0,3 0-16 15,2 1 48-15,3 1 16 0,3-2 0 0,4 4 0 16,7 2-352-16,3 0-80 0,6 5-16 16,-3-2 0-16,-7 0-2080 0,-1-1-432 0</inkml:trace>
   <inkml:trace contextRef="#ctx0" brushRef="#br0" timeOffset="669.33">22361 12636 19343 0,'0'0'848'0,"0"0"192"0,0 0-832 0,0 0-208 16,0 0 0-16,0-8 0 0,0 8 2352 0,3-6 416 0,0-1 96 0,2-2 16 15,1 0-1552-15,6-3-304 0,0 1-64 0,-3 2-16 16,0 1-448-16,5-3-96 15,2-2-16-15,-4 7 0 0,-1-2-208 0,1 1-48 16,0-3-128-16,0 1 192 0,-3-3-192 0,3-2 128 16,-5 3-128-16,0 3 0 0,-7 8 224 0,0 0-48 0,0 0-16 0,0 0 0 15,0 0 64-15,0 0 16 0,0 0 0 0,-7 8 0 16,-2 5-240-16,0-4 0 0,-1 3 0 0,-1 0 0 0,1 2 0 0,-3 7 0 16,2-1 0-16,6-9 0 15,0 2 0-15,1 3 0 0,1-4 0 16,3-12 0-16,2 9 0 0,-2-9 0 0,4 12 0 0,-4-12 144 15,0 0 48-15,0 0 0 0,6 5 0 0,2-1 0 16,0-2 0-16,2 0 16 0,-1-2 0 0,0-2 0 0,1 1-80 16,-1-1-128-16,1-2 176 0,4-2-176 0,-2-3 176 0,-5 5-176 15,-1-2 160-15,3-5-160 0,-1 2 0 0,-3 5 0 16,-5 4 0-16,10-5 0 0,-10 5 0 0,6-1 0 16,-6 1 0-16,0 0 0 0,0 0 0 0,0 0 0 15,0 0-160-15,0 0 160 0,5 6 0 0,0 2-160 16,1 1 160-16,-1 0 0 0,0 2-128 0,3 1 128 15,0-1 0-15,-2-4 0 0,2-1 0 0,5 1 0 16,-1-2 0-16,-4-2 0 0,1-2 0 0,1 0 176 16,1-2-48-16,4-2-128 0,0 0 192 0,-6 0-64 15,1-1 0-15,5-3-128 0,-2 1 144 0,-6 2-144 16,1 0 0-16,3-2 144 0,-3-2-144 0,-3 4 192 16,0-5-192-16,1-2 192 0,-2 1-192 0,-1 3 128 0,0-3-128 0,-1-4 128 15,0-1-128-15,-1 2 0 0,0 0 0 0,0 5 0 16,1-2 0-16,0-2 0 15,1 3 0-15,-3 9-176 0,0 0 176 0,0 0-192 16,5-8 192-16,-5 8-192 0,0 0 192 0,0 0-208 16,0 0 80-16,0 0 128 0,9 8-192 0,-9-8 192 15,8 12-192-15,-3-6 192 0,1 1-128 0,0 1 128 16,1-2 0-16,3 2 0 0,0 0 0 0,-2-6 0 0,1 2 0 0,6 0 0 16,-2-1 0-16,-2-3 0 0,3 1 0 0,5-1 0 15,-1-1 128-15,1 1-128 0,-2-4 0 0,-1 1 128 16,0-2-128-16,2 0 0 0,1 1 0 0,-1-3 0 15,-1 1 0-15,-2-2 0 0,-1 0 0 0,-4 2 0 16,-1-2 0-16,4-4 0 0,-2 2 0 0,-1-1 0 16,-2 2 0-16,-2 1 0 0,-6 8 0 0,0 0 0 0,6-5 0 0,-6 5 0 15,0 0 0-15,0 0 0 0,0 0 0 0,0 0 0 16,-6 12 0-16,-2 2 0 0,-2-1 0 16,-2 3-176-16,1 0 176 0,-1 1-128 0,-1 1 128 15,1-3 0-15,2 6-144 0,2-2 144 0,1-1 0 0,5-5-144 16,0 1 144-16,1 8 0 0,1-7 0 0,3-6 0 15,1-1 0-15,2 1 0 0,3-3 128 0,0-2-128 16,-9-4 0-16,13 2 144 0,0-4-144 0,2 1 160 16,-2-3-160-16,1-1 160 0,2-3-160 0,-1 0 0 15,1-1 0-15,-4 3 0 0,1-2-224 0,1 0 32 16,2-4 0-16,7-4 0 0,1 1-80 0,-1-1-16 16,-1-1 0-16,3 2 0 0,0 3-32 0,-2-5-16 15,2 0 0-15,-8 3 0 16,3-2-272-16,-1-2-48 0,0-4-16 0,1-3 0 15,0-5 32-15,-1-4 16 0,0 0 0 0,-2 4 0 0,-3 5 192 0,-2 3 48 0,-2 4 0 0,-1 2 0 16,-2 6 384-16,-5 3 0 0,-3 1 192 0,1 6-64 16,0 0 416-16,-5 8 96 0,-3 2 0 0,-2 8 16 15,-3 2-240-15,-3 3-48 0,0 3-16 0,-1 0 0 16,0-1-160-16,1 1-48 0,-1-1 0 16,0 0 0-16,0-3-16 0,1 0-128 0,3 0 192 0,1-1-64 15,1 0-128-15,1-3 128 0,3-1-128 16,1-1 128-16,2-2 0 0,3-2-128 0,0 1 192 0,2-1-64 15,2-2-128-15,1-1 0 0,1 0 0 0,3-1 0 16,3-1-128-16,8-1-64 0,-2-1-16 0,1-5 0 0,0-2-128 16,-5-1-32-16,3-5 0 0,1-1 0 15,0 0-64-15,0-3-16 0,0-1 0 0,0-2 0 0,0-1 176 0,2-2 16 16,-1 1 16-16,1-3 0 0,0-3 80 0,2-2 16 16,0 0 0-16,0-6 0 0,2-3 144 0,-2 0 0 15,0-1 0-15,-2 5 0 0,0 3 416 0,-6 6 16 16,-3 4 0-16,-2 3 0 0,-4 6 304 0,-2 1 64 15,-2 7 16-15,0 0 0 0,-7 9-304 16,-5 8-64-16,-4 3-16 0,-1 2 0 0,-2 3-432 0,-1 0 0 16,-1 2 128-16,2 0-128 0,-1 1 176 0,2-2 0 15,2 1 0-15,2 2 0 0,1-6-32 0,1 3 0 16,3-3 0-16,1-1 0 0,3-3-16 0,1-1-128 16,0-1 192-16,2-2-64 0,0-3-128 0,2-3 192 15,0-2-192-15,0-7 192 0,0 0-192 0,0 0 0 16,7 4 0-16,1-4 128 0,1-5-128 0,0 0 0 15,0-2 0-15,-1 1 0 0,-2-5 0 0,2 2 0 16,1 0 0-16,-1 1 0 0,-1-1-240 0,1 5 80 0,-2-1 16 16,-6 5 0-16,0 0 144 0,8 5-192 0,-2 2 192 0,0-1-192 15,-1 4 192-15,1 1 0 0,1 2 0 0,1 0 0 16,0 0 0-16,1 0 0 0,2-2 0 0,1 1 0 16,1-3 0-16,1-1 0 0,2-2 128 0,1 1-128 15,1-2 0-15,2 1-160 0,-1-2 16 0,0-3 0 16,-2-1-592-16,-3-1-112 0,-2 0-32 0,-3-4-9552 15,-1-1-1920-15</inkml:trace>
   <inkml:trace contextRef="#ctx0" brushRef="#br0" timeOffset="869.33">23473 12476 15663 0,'0'0'1392'0,"-3"-4"-1120"16,0-1-272-16,2-3 0 0,-1-3 3008 0,4 2 528 15,2 3 112-15,2 1 32 0,4 3-1920 0,5 2-384 16,2 0-80-16,4 0-16 0,5 0-160 0,1 0-32 16,2 2-16-16,1-1 0 0,0-2-560 0,0 1-96 15,-2-2-32-15,-3 0 0 0,-3-2-384 0,-1 5 0 16,-3 7 128-16,-1-3-128 16,-5-2-1840-16,-4 1-400 0,-8-4-64 0,0 0-12608 0</inkml:trace>
-  <inkml:trace contextRef="#ctx0" brushRef="#br0" timeOffset="1023.35">23144 12111 23039 0,'-10'-8'2048'0,"4"1"-1648"0,1 4-400 0,5 3 0 16,0 0 2320-16,0 0 384 16,9 2 80-16,8 6 16 0,2 1-1856 0,-2-2-368 15,4 2-80-15,4 1-16 0,2 3-208 0,5 0-32 0,4 4-16 0,3 0-15936 16</inkml:trace>
+  <inkml:trace contextRef="#ctx0" brushRef="#br0" timeOffset="1023.33">23144 12111 23039 0,'-10'-8'2048'0,"4"1"-1648"0,1 4-400 0,5 3 0 16,0 0 2320-16,0 0 384 16,9 2 80-16,8 6 16 0,2 1-1856 0,-2-2-368 15,4 2-80-15,4 1-16 0,2 3-208 0,5 0-32 0,4 4-16 0,3 0-15936 16</inkml:trace>
   <inkml:trace contextRef="#ctx0" brushRef="#br0" timeOffset="3921.9">24674 12682 19343 0,'-9'1'1728'0,"0"2"-1392"0,1 1-336 0,0-2 0 15,8-2 1728-15,0 0 288 0,-6 4 48 0,6-4 16 0,0 0-1408 0,0 0-288 16,0 0-48-16,18 0-16 0,0-1 384 0,3-3 64 16,1-5 0-16,2 0 16 0,-1-3-320 0,2-2-64 15,0 1-16-15,0-3 0 0,-2-5-128 0,0 3-48 16,0-4 0-16,0 1 0 0,1-3-80 0,-4 0 0 16,0 0-128-16,0 1 192 0,-2-1-64 0,0 1-128 15,-2-1 176-15,-2-2-176 0,-1 1 192 0,-3 1-192 0,-3 0 192 0,-4 3-192 16,-3 4 0-16,-2 3 0 0,0 5 0 15,-2 2 0-15,-4 3 128 0,-2 4-128 0,-2 6 192 16,-3 7-192-16,-2 2 0 0,-2 10 0 0,-3 8 0 0,-2 3 0 16,0 5 0-16,-4 4 0 0,-1 2-208 0,-1 5 80 15,-1-2 128-15,1 5 0 0,2 1 0 0,-1 2 0 16,1-2 0-16,2-2 0 0,3-5 0 0,3-6 0 16,5-6 0-16,3-3 0 15,2-2 0-15,4-2 0 0,4-2 0 0,2-14 144 16,1 1-144-16,3-2 0 0,2-3 176 0,2-2-176 0,0-3 160 0,3-1-160 15,0-1 128-15,8-6-128 0,-4-1 0 0,2-4 144 16,0-4-16-16,0-2-128 0,0 1 192 0,-3 1-64 16,-2-2-128-16,-3 0 0 0,0-2 0 0,-2-4-176 0,-2-2 0 0,2-2 0 15,-4-8 0-15,1-2 0 0,0-6 0 0,2-3 0 16,-3 2 0-16,1 2 0 0,0 3 176 0,0 6 0 16,0 3-144-16,0 4 144 0,-1 4 0 0,-3 3 0 15,-2 3-144-15,0 5 144 0,0 4 0 0,2 4 144 16,0 0-16-16,0 0 0 0,0 0-128 0,0 15 0 15,2 0 0-15,0 1 0 0,1 2 0 0,-1 1 0 16,2-3 0-16,3 1 128 0,-1-4-128 0,2 2 0 16,0-3 0-16,1-2 0 0,2-1 0 0,-1-1 128 15,1-4-128-15,2 1 0 0,1-1 144 0,-1-1-144 16,-3-3 160-16,3-2-160 0,2 1 176 0,0-3-176 16,2 1 192-16,3-2-192 0,-1-3 0 0,2 1 0 15,-1-1 0-15,5 0 0 0,1-5 0 0,-2 1 0 16,-1 0 0-16,0-1 0 0,1-2 0 0,-2 2 0 15,0 0-208-15,-4 1 80 0,-4 1 128 0,-2 0-192 16,-3 0 192-16,-1 3-192 0,-8 8 192 0,8-6 0 16,-8 6-144-16,0 0 144 0,0 0 0 0,0 0 0 15,0 0 0-15,0 0 0 0,0 0 0 0,5 10 0 0,-5-10 160 0,2 15-160 16,-1-2 128-16,-1-1-128 0,0-1 0 0,1 1 0 16,0 0 128-16,2-1-128 0,0 0 0 0,-3-11 0 15,5 13 0-15,0-1 0 0,-5-12 0 0,8 11 0 16,0-4 0-16,1 1 0 0,0-3 0 0,-9-5 0 15,10 5 0-15,2-1 0 0,1-3 128 0,1-1-128 16,0-1 0-16,-1 0 0 0,-2-1 0 0,1 1 0 16,1 0 0-16,0 0-144 0,-1-1 16 0,0-2 0 15,-2-2-64-15,0 2-16 0,0-3 0 0,-4 5 0 16,1-3 32-16,0-1 16 0,-7 6 0 0,0 0 0 16,0 0 160-16,7-9 0 0,-7 9 0 15,0 0-128-15,5-8 128 0,-5 8 0 0,0 0 0 0,0 0 128 0,0 0-128 0,0 0 144 16,0 0-144-16,0 0 160 0,0 0-160 0,0 0 0 15,0 0 0-15,0 0 128 0,0 0-128 0,0 0 0 16,5 8 0-16,-5-8 128 0,8 11-128 0,-8-11 0 16,0 0 0-16,0 0 0 0,0 0 128 0,0 0-128 15,0 0 128-15,0 0-128 0,0 0 128 0,5 11-128 16,-5-11 0-16,0 0 128 0,0 0-128 0,0 0 160 16,0 0-160-16,0 0 160 0,0 0-160 0,0 0 0 15,0 0 0-15,0 0 0 0,0 0 128 0,0 0-128 16,0 0 128-16,0 0-128 0,0 0 0 0,0 0 0 0,0 0 128 0,0 0-128 15,0 0 0-15,0 0 0 16,0 0 0-16,0 0 0 0,0 0 0 0,0 0 0 16,0 0 0-16,0 0 0 0,0 0 0 0,0 0 0 15,0 0 0-15,0 0 128 0,0 0-128 0,0 0 0 0,0 0 144 0,0 0-144 16,0 0 0-16,0 0 144 0,0 0-144 0,0 0 0 16,0 0 0-16,0 0 0 15,0 0 0-15,0 0 0 0,0 0 0 0,0 0 0 16,0 0 0-16,0 0 0 0,0 0 0 0,0 0 0 0,0 0 0 0,0 0 0 15,0 0 0-15,0 0 0 0,0 0 0 0,0 0 0 16,0 0 0-16,0 0 0 0,0 0 0 0,0 0 0 16,0 0 192-16,0 0-64 0,0 0 0 0,0 0-128 15,0 0 128-15,0 0-128 0,0 0 0 0,0 0 0 0,0 0 0 0,0 0 0 16,0 0 0-16,0 0 0 0,0 0 0 0,0 0 0 16,2 11 0-16,-2-11 0 0,0 0 0 0,0 0 0 15,0 0 0-15,0 0 0 0,0 0 0 0,0 0 0 16,0 0 0-16,0 0 0 0,0 0 0 0,0 0 0 15,0 0 0-15,0 0 0 16,0 0 0-16,0 0 0 0,4 12 0 0,-4-12 0 0,0 0 0 0,0 0 0 16,0 0 0-16,4 10 0 0,-4-10 0 0,0 0 0 15,0 0 0-15,3 10 0 0,-3-10 0 16,0 0 0-16,0 11 128 0,0-11-128 0,0 0 0 0,3 10 128 16,-3-10-128-16,0 0 0 0,0 0 128 0,3 11-128 15,-3-11 0-15,0 0 0 0,0 0 128 0,0 0-128 16,4 9 0-16,-4-9 0 0,0 0 0 0,0 0 128 15,0 0-128-15,0 0 0 0,0 0 144 0,0 0-144 16,0 0 0-16,0 0 144 0,0 0-144 0,0 10 160 0,0-10-160 16,0 0 160-16,0 0-160 0,0 0 160 15,-4 11-160-15,4-11 160 0,-4 8-160 0,4-8 0 16,0 0 0-16,-4 7 0 0,4-7 0 0,0 0 0 0,0 0 0 0,0 0 0 16,0 0 0-16,0 0 128 15,0 0-128-15,0 0 0 0,0 0 0 0,0 0 0 0,0 0 0 0,0 0 0 16,0 0 0-16,0 0 0 0,0 0 128 0,0 0-128 15,0 0 0-15,0 0 0 0,0 0 144 0,0 0-144 16,0 0 0-16,0 0 128 0,0 0-128 0,4-9 0 16,-4 9 0-16,4-9 0 0,-4 9 0 0,4-9 128 15,-2-1-128-15,1 2 0 0,-1 0 0 16,-2 8 128-16,7-11-128 0,-2 1 0 0,0 1 0 0,3-2 0 0,0 2 0 16,0 2 0-16,-2-1 0 0,1 0 0 15,1 1 0-15,-8 7 0 0,9-6 0 0,0 2-128 0,-1-3 128 16,-8 7 0-16,9-6-144 0,-1-1 144 0,-8 7 0 0,9-5 0 15,0 0-144-15,-9 5 144 0,9-5 0 0,-1 0 0 16,-8 5 0-16,9-3 0 0,-9 3 0 0,0 0 0 16,10-4 0-16,-10 4 0 0,0 0 0 0,11 1-128 15,-11-1 128-15,0 0 0 0,9 7 0 0,-9-7-128 16,5 9 128-16,-5-9 0 0,5 12 0 0,-2-1 0 16,-2-1 0-16,-1 0 0 0,-1 0 0 0,0 1 0 15,1-11 0-15,-2 13 0 0,2 0 0 0,0 0 0 16,-1-4 0-16,2 1 0 0,-1-10 0 0,3 11 0 15,-3-11 0-15,4 10 0 0,-4-10 0 0,0 0 0 16,4 8 0-16,-4-8 0 0,0 0 0 0,8 5 0 16,-8-5 0-16,0 0 0 0,10 0 0 0,-10 0 0 15,12-4 0-15,-2-1 0 0,1 0 0 0,-1 0 128 0,1-2-128 0,0 1 0 16,1-2 0-16,0 0 0 0,1-1 128 16,0 0-128-16,-1 0 0 0,-5 4 0 15,3-2 0-15,4-2 0 0,-1-2 0 0,-1 2 0 16,-2 0 0-16,-1 3 0 0,-2-1 0 0,-7 7 0 0,0 0 0 0,0 0 0 15,0 0-144-15,0 0 144 0,0 0 0 0,0 0-144 16,0 0 144-16,1 12-160 0,-2 1 160 0,-1-3-160 16,1-2 160-16,-2 7 0 0,1-1 0 0,2-6 0 15,0 1 0-15,2 3 0 0,2-3 0 0,-4-9 0 0,7 6 0 0,5 2 0 16,1-3 0-16,0-1 0 0,1-1 128 0,2-3-128 16,1-2 128-16,2 0-128 0,1-2 0 0,-6 0 0 15,0-1 0-15,9-3 0 0,-1 1 0 0,0 0-240 16,1-1 48-16,-2-3 0 15,-4-2 0-15,-1 0 16 0,-2-2 0 0,-1-2 0 16,-2-3 176-16,-1 1-160 0,2-2 160 0,-3 1-160 0,0-1 0 0,0-1 0 16,-1-1 0-16,1 2 0 0,0 1-32 0,2-2 0 15,2-1 0-15,-2 2 0 0,0-4 48 0,1 4 0 16,-1 0 0-16,1 4 0 0,-3 3 144 0,-1 0 0 16,-1 3-144-16,-3 5 144 0,-3-3-176 0,-1 1 48 15,0 8 0-15,0 0 0 0,0 0 368 0,0 0 80 16,-7 9 0-16,-2 8 16 0,0 0-144 0,1 1-16 15,-1 0-16-15,0 1 0 0,-1 1-160 0,-1 3 160 16,2-3-160-16,1 4 160 0,0-1-160 0,2 1 128 16,1 1-128-16,1-1 128 0,0 0-128 0,1-3 128 15,1 1-128-15,0-6 128 0,2 0-128 0,2 9 128 16,0-3-128-16,1-9 128 0,1 2-128 0,4 6 160 0,-2-3-160 0,2-9 160 16,4 1-160-16,5 7 160 0,-2-9-160 15,2-1 160-15,3-2-160 0,1-1 0 0,1 0 144 0,2-2-144 16,1-2 0-16,3 0 144 0,-1-1-144 0,2 0 0 15,-2-3 128-15,0-1-128 0,-2-1 0 0,0-3 0 16,-3 2 0-16,-1-3 0 0,-1 0 0 16,-3-2 0-16,-2 0 0 0,1 1 0 0,-2-1 0 0,-1 0 0 15,-2 1 0-15,-2-1 0 0,-3-1 0 16,-1 0 0-16,1 0 192 0,-4 0-192 0,-3 0 192 0,0 5-192 16,-2-3 224-16,-2 0-64 0,-2 0-16 0,2 6 0 15,-3 0-144-15,-3 1 0 0,-2-1 144 0,3 5-144 16,1 0 0-16,-5 5-128 0,1 1 0 0,0 2 0 0,1 3 128 0,2 3-192 15,1 2 192-15,2-1-192 0,2 1 192 0,2 0 0 16,2-1-144-16,2 2 144 0,3 1 0 0,4-1 0 16,1-1 0-16,3 1 0 0,0-1 0 0,3-2 128 15,2-5-128-15,3 0 128 0,-1-2-128 0,5-2 192 16,2-1-192-16,1-2 192 0,2-2-192 0,1-2-144 16,-1 1 144-16,1 6-208 0,0 1-160 0,-3 1-16 15,-2-6-16-15,-4-2 0 16,-5-1-624-16,-3-3-128 0,-2-3-32 0,-2 2 0 15,-9 6-416-15,5-11-96 0,-2 0-16 0</inkml:trace>
   <inkml:trace contextRef="#ctx0" brushRef="#br0" timeOffset="4192.19">26349 12565 12895 0,'0'0'1152'0,"0"0"-928"0,-5-6-224 0,5 6 0 15,0 0 2304-15,7-8 400 0,3 2 96 0,1-3 16 16,-1-4-1280-16,3 2-240 0,3 2-48 0,2-1-16 16,3 2-144-16,1-1-48 0,1 2 0 0,2 1 0 15,0-1-272-15,1 2-64 0,1 0-16 0,-7 4 0 16,0-1-384-16,6-2-80 0,-2 3-16 0,-3 5 0 0,-4 5-208 0,-4 0-128 15,-4-4 128-15,-9-5-208 16,2 7-1824-16,-5 1-352 16,-5-3-80-16,-1-2-10192 0</inkml:trace>
   <inkml:trace contextRef="#ctx0" brushRef="#br0" timeOffset="4434.18">26026 12464 20495 0,'8'-12'896'0,"-8"12"208"0,9-7-880 0,0 0-224 15,-1 2 0-15,0 1 0 0,-8 4 1072 0,10-5 160 16,-1-3 48-16,-2 5 0 0,-7 3-352 0,0 0-64 0,0 0-16 0,13 13 0 16,-13-13-240-16,12 16-48 15,-12-16-16-15,10 21 0 0,-5-8-288 0,-5-13-48 0,0 0-16 0,7 18 0 16,-2 0-192-16,-1-3 0 15,-4-15 0-15,0 0 0 16,-4 13-768-16,0-3-240 0,4-10-48 0,-5 5-11600 0</inkml:trace>
@@ -1152,7 +1152,7 @@
   <inkml:trace contextRef="#ctx0" brushRef="#br0" timeOffset="28990.74">9022 13631 20847 0,'0'0'912'0,"9"-7"208"0,-3 1-896 0,-6 6-224 16,0 0 0-16,0 0 0 15,0 0 1104-15,0 0 176 0,-6-11 48 0,1 6 0 0,-2 4-96 0,-1 4-16 16,-2 4 0-16,2 5 0 0,2 1-704 0,-4 3-128 15,0 5-48-15,1-2 0 0,0 1-208 0,0-1-128 16,-1 0 160-16,4-2-160 0,2-4 160 0,1-2-160 16,3-11 160-16,-1 12-160 0,1-12 288 0,0 0-32 15,0 0-16-15,0 0 0 0,0 0 0 0,0 0 0 16,0 0 0-16,0 0 0 0,0 0-48 0,0 0-16 16,0 0 0-16,8-6 0 0,0-2-48 0,1-4 0 15,1 0 0-15,2-1 0 0,0-1-128 0,1 1 0 16,0 0 0-16,0 0 0 0,1 0 0 0,-1 0-224 15,-2 1 80-15,-3 3 16 0,-5 1-32 0,-3 8 0 16,0 0 0-16,0 0 0 0,0 0 160 0,8 10-160 0,-3 3 160 0,-1 2-160 16,-2-1 160-16,0 2 176 0,1 2-48 0,-2 0 0 15,-2-1 0-15,0-2-128 16,-1-2 192-16,8 4-64 0,7 5-128 0,0-7-176 16,0 0 48-16</inkml:trace>
   <inkml:trace contextRef="#ctx0" brushRef="#br0" timeOffset="29770.75">9425 13504 25455 0,'0'0'1120'0,"0"0"240"0,0 0-1088 0,-7-6-272 16,2-6 0-16,4 4 0 0,-1 3 1024 0,6 3 160 15,-4 2 32-15,11-4 0 0,0-2-448 0,4 3-64 0,3-1-32 0,4-3 0 16,5 1-224-16,5-1-32 16,2-1-16-16,1 0 0 0,3 1-256 0,-1 0-144 15,-3 2 160-15,2 4-160 16,-3-3-240-16,3 2-144 0,-2 0-16 0,-1-3-14288 0</inkml:trace>
   <inkml:trace contextRef="#ctx0" brushRef="#br0" timeOffset="33625.96">11443 13662 20271 0,'0'0'896'0,"0"0"192"0,0 0-880 0,0 0-208 0,0 0 0 0,0 0 0 16,0 0 1664-16,15 4 304 0,0-5 48 0,2-3 16 15,1 0-1424-15,4-4-288 0,4-5-48 0,4 0-16 16,3-1 64-16,2-2 16 0,3 2 0 0,-2-1 0 16,-1 1-144-16,1-3-16 0,-2 0-16 0,-3 3 0 0,-1 2-32 0,-4-1-128 15,-1 0 192-15,-3-4-64 0,-3-2-128 0,0 2 0 16,-5-6 0-16,2 3 0 0,-3-5-304 0,-2 0 64 15,0 2 16-15,-2-2 0 0,-4 1 224 0,-1 3 0 16,-1 5 0-16,-3 0 0 0,-2 5 0 0,2 11 0 16,0 0 0-16,-6-2 0 0,-3 1 400 0,0 3-16 15,-3 6-16-15,0 8 0 0,-4 4-240 0,-2 8-128 16,-4 3 160-16,0 7-160 0,-2 8 0 0,-2 1 0 16,-1 2 0-16,0 3 0 0,-2 2 0 0,0 2 0 15,3 4 0-15,4-3 0 0,1 2 0 0,4-7 0 16,3-4 0-16,3-5 0 0,4-4 0 0,3-6 128 15,1-7-128-15,4-4 144 0,2-5-144 0,1-3 160 16,-4-14-160-16,6 11 160 0,-6-11-160 0,0 0 128 16,8 6-128-16,-8-6 128 0,13 3 0 0,-1-2 0 15,0-3 0-15,-2-4 0 0,-2 1 0 0,0-4 0 16,1-4 0-16,-1 1 0 0,-2-3-128 0,1-4-176 16,-3-3 48-16,-2-6 0 0,-2-4-160 0,3-4-32 15,0-3 0-15,-1 1 0 0,1 3 64 0,1 3 16 0,0 4 0 0,0 4 0 16,-1 5 240-16,1 4-144 0,0 6 144 0,-4 9-128 15,0 0 128-15,-2-10 0 0,-5 2 160 0,2 3-160 16,5 5 272-16,0 0-32 0,0 0-16 0,0 0 0 0,0 0-224 16,1 13 0-16,-1-13 0 0,0 0 0 15,11 13 0-15,-11-13 128 0,11 10-128 0,2-2 0 16,-1-3 208-16,1-3-48 0,-1-2-16 0,-2-2 0 0,-10 2 32 0,15-2 0 16,-2-4 0-16,-2 4 0 0,-11 2-16 0,12-5 0 15,-1-2 0-15,-2 1 0 0,-4-4-160 0,1 0 160 16,1-2-160-16,-2-1 160 15,0 3-160-15,1-1 0 0,0 2 0 0,1 0 128 16,-1-3-128-16,-1 3 0 0,-5 9 0 0,4-11 0 16,0 0 0-16,-1 1 0 0,-3 10 0 0,6-8 0 15,0 3 0-15,-6 5-176 0,0 0 176 0,0 0-128 0,9-6 128 16,-9 6 0-16,10-3 0 0,-10 3-128 0,12 0 128 0,-2-2 0 16,1 1 0-16,0 1 0 0,1 0 0 0,1 0 0 15,0-1 0-15,2-2 0 0,-1 2 0 0,3 1 0 16,0-2 0-16,1 2 0 0,2 0 0 0,-1 0 0 15,1 2 0-15,-1-2 0 0,1 0 0 0,-2 0 0 0,-1 0 0 0,-1 0 0 16,-2 0 0-16,-2 4 0 16,-12-4 0-16,10 1 0 0,-10-1 0 0,0 0 0 15,0 0 0-15,0 0 128 0,0 0-128 0,0 0 0 0,5 12 0 0,-5-12 128 16,0 0 32-16,0 0 16 0,0 0 0 0,-2 10 0 16,-1 1-176-16,3-11 192 0,0 0-192 0,-4 10 192 15,4-10-192-15,-4 12 0 16,0-3 0-16,4-9 128 0,-3 10-128 0,0 1 0 15,3-11 0-15,-4 11 0 0,-1 0 0 0,1 1 0 16,0-2 0-16,0 0 0 0,0 0 0 0,4-10 0 16,-4 11 0-16,2 0 0 0,2-11 0 0,-3 13 0 0,3-13 0 15,-1 11 0-15,1-11 0 0,1 12 0 0,-1-12 0 0,0 0 0 16,0 0 0-16,4 9 0 0,-4-9 0 0,4 8 0 16,-4-8 0-16,0 0 0 0,0 0 0 0,8 7 0 15,-8-7 0-15,10 4 0 0,-10-4 0 0,0 0 0 0,12 2-144 0,-2 0 144 16,-10-2 0-16,11-2 0 0,-11 2-128 0,11-2 128 15,0-1 0-15,-1 2 0 0,-1-5 0 0,1 3-128 16,0-1 128-16,0 0 0 0,-10 4 0 0,12-4 0 16,-1 1 0-16,-11 3 0 0,10 0 0 0,-10 0 0 15,12 0-128-15,-2 0 128 16,-10 0 0-16,11 3 0 0,-11-3 0 0,0 0 0 0,10 2 0 0,-10-2 0 16,13 2 0-16,-13-2 0 0,12 1 0 0,-12-1 0 15,12 1 0-15,-2-1 0 0,-10 0 0 0,10-1 0 16,-10 1 0-16,12-1 0 0,-3-2 0 0,-9 3 0 15,11-4 0-15,-2-1 0 0,-9 5 0 0,10-7 128 16,-3 1-128-16,1 1 0 0,-8 5 0 0,7-4 0 16,0-1 0-16,-7 5 0 0,8-7 128 0,-8 7-128 15,8-6 0-15,-2-2 0 0,1-1 0 0,-7 9 0 16,0 0 0-16,7-7 0 0,0-2 0 0,-7 9 128 16,8-7-128-16,-8 7 0 0,0 0 0 0,8-6 0 15,-8 6 0-15,6-7 0 0,-6 7 0 0,0 0 0 0,7-6 0 0,-7 6 0 16,0 0 0-16,0 0 176 15,4-8-176-15,-4 8 160 0,0 0-160 0,0 0 160 0,0 0-160 0,0 0 160 16,0 0-16-16,0 0 0 0,0 0 0 0,0 0 0 16,0 0-144-16,0 0 192 0,0 0-192 0,0 0 192 15,0 0-192-15,0 0 128 0,0 0-128 0,0 0 128 16,0 0-128-16,0 0 0 0,0 0 0 0,0 0 0 0,0 0 0 0,0 0 128 16,0 0-128-16,0 0 0 0,-4-6 0 0,4 6 0 15,0 0 128-15,0 0-128 16,0 0 0-16,0 0 0 0,0 0 0 0,0 0 128 15,0 0-128-15,0 0 0 0,-8 2 0 0,8-2 0 16,0 0 0-16,0 0 0 0,-8 5 0 0,8-5 0 16,-7 11 0-16,7-11 0 0,0 0 0 0,-7 8 0 0,0-1 0 15,7-7 0-15,-6 8 0 0,6-8 0 0,-7 8 0 0,7-8 0 16,-6 9 0-16,6-9 0 0,0 0 0 0,0 0 0 16,-6 11 0-16,6-11 0 0,0 0 0 0,0 0 0 15,-4 7 0-15,4-7 0 0,0 0 0 0,-3 12 0 16,0-1 0-16,3-11 0 0,-3 10 0 0,3-10 0 15,0 12 0-15,0-12 0 0,2 10 0 0,0 1 128 16,-2-11-128-16,7 9 0 0,1-1 160 0,-1-1-160 16,-7-7 192-16,12 8-192 15,0-3 192-15,1 1-192 0,1-5 192 0,2-1-192 0,0 0 224 0,0-1-64 16,1-2-16-16,2-1 0 0,0-2-144 0,1-1 128 0,1-2-128 0,-2-1 128 16,-2-2-128-16,-1 0 160 0,-1 2-160 0,0-1 160 15,-3 1-160-15,-2 1 0 0,-1-2 144 16,-2 1-144-16,-3-2 0 0,-1-1 0 15,0 0 0-15,-3 1 128 0,-1 3-128 0,-2-3 0 0,-1 2 0 16,-2 1 0-16,-2 1 0 0,-1 0 0 0,-2-1 0 16,1 3 0-16,-2 3 0 0,-1 0 0 0,-1 1-128 0,-1 2 128 15,1 2-192-15,0 2 64 0,-3 0 0 16,2 3 0-16,1 1-16 0,1 1 0 0,1-3 0 0,2 2 0 16,2 2 144-16,2 2-192 0,0-3 192 0,6-9-192 0,0 0 192 0,0 0 0 15,3 15-144-15,1-5 144 0,-4-10 0 16,10 12 0-16,1-3 0 0,0-4 0 0,3-5 0 0,1-1 0 15,3 0 0-15,2-5 0 0,0-3-224 0,-1 3 80 16,1-1 16-16,-1-2 0 0,2 0 0 0,1 0 0 16,3 0 0-16,-3 2 0 0,-2-2 128 0,-1 2-128 15,1 1 128-15,-2 2-128 0,-2 3 128 0,-3 1-160 16,-2 0 160-16,-11 0-160 0,10 8 160 0,-5 1 0 16,-5-9 0-16,1 17 128 0,-2-2 64 15,-2 1 0-15,-2-2 16 0,0 1 0 0,-2-2-80 16,1 0 0-16,-1 1-128 0,1-1 192 0,0-1-64 0,1 0-128 15,0-2 176-15,0 2-176 0,5-12 0 0,-4 9 0 16,4-9 0-16,0 0 0 0,0 0 0 0,0 0 0 16,0 0 0-16,0 0 0 0,0 0 192 0,0 0-192 15,0 0 192-15,12-3-192 0,-1-3 224 0,2-3-64 16,0-3-16-16,3 0 0 0,1-1-144 0,3-4 0 16,-1-2 0-16,2 0 0 0,3 4-240 0,-1-2 80 0,0 4 16 0,-2 1 0 15,-2 4 144-15,-4 0-192 0,0 3 192 0,-5 2-192 16,-10 3 192-16,0 0-128 0,0 0 128 0,6 11-128 15,-4 1 128-15,-2 1 0 0,-2 0 0 0,1 1 128 16,0 0-128-16,1-1 0 0,2-1 128 0,2 0-128 16,3-2 0-16,1 1 0 0,0-3 0 0,2-2 0 15,0-1 0-15,2-1 0 0,1-4 0 0,2 0 128 16,-1-2-128-16,0-2 144 0,-2-1-144 0,2-1 160 16,5 0-160-16,-8 1 0 0,0-2-160 0,0 1 160 15,2-2-256-15,2 1 64 0,2-5 0 0,5-2 0 16,-3 0 0-16,0 1 16 0,-4 1 0 15,1-1 0-15,-2 0-80 0,1 2 0 0,-1 0-16 0,0-1 0 0,-1-2 16 16,2 2 16-16,-1-1 0 0,0 2 0 16,-2 0 96-16,0 2 16 0,-2-3 0 0,-1 1 0 0,-2 0 128 0,-3-2 0 15,-1-3 0-15,-2 7 0 0,0 1 0 0,-1 2 0 16,0-2 160-16,-1 4-160 0,1 4 512 0,0 0 0 16,0 0 0-16,0 0 0 0,0 0-80 0,0 0-16 15,-1-4 0-15,1 4 0 0,0 0-224 0,0 0-32 16,0 0-16-16,0 0 0 0,0 0-144 0,0 0 0 15,0 0 0-15,0 0 128 0,0 0-128 0,0 0 128 16,0 0-128-16,0 0 128 0,0 0 0 0,0 0 0 16,0 0 0-16,0 0 0 0,0 0 0 0,0 0 0 15,0 0 0-15,0 0 0 0,0 0-128 0,0 0 192 16,-6 6-192-16,2 0 192 0,0 0-192 0,-1 2 0 16,-1 0 0-16,-1 1 128 0,-2 1-128 0,-1 3 0 15,-2 2 0-15,-1 3 128 0,-1 2-128 0,-1-1 0 0,1 1 144 16,1 3-144-16,0-1 0 0,2 2 128 15,2-1-128-15,3-3 0 0,1 1 0 0,2-4 0 16,2 0 0-16,2-2 128 0,3-2-128 0,1 0 128 16,2-2-128-16,0-3 128 0,2-2-128 0,2-1 144 15,2-1-144-15,1-1 160 0,1-3-32 0,0-2 0 16,2 0 0-16,1-2 0 0,1-3-128 0,-1 0 0 0,0-2 144 16,0-2-144-16,-1 1 0 0,-1-1 0 0,-2 1 0 0,1-1 0 15,-1 1 0-15,-1-1 0 0,-1 1 0 0,0 0 0 16,-3-1 0-16,-1 2 0 0,-2 3 0 0,-1 2 0 15,-5 4 0-15,0 0 0 0,0 0 0 0,0 0 0 16,0 0 0-16,0 0 0 0,0 0 0 0,0 0 0 0,-2 9 0 0,-1 3-160 16,0-1 160-16,1 0 0 0,-2-2 0 0,1 0-128 15,3 1 128-15,0-1 0 0,0 1 0 0,2-3 0 16,2 1 0-16,-1-1 0 0,3-2 0 0,0 0 0 16,1-2 0-16,1 1 0 0,-1-3 0 0,2-1 0 15,1 0 144-15,0-1-144 0,-1-2 192 0,0-1-64 16,2 2 0-16,-1-1 0 0,1 2-128 0,-1-5 0 15,0 3 0-15,2-3 0 0,-1 1 0 0,-1-1 0 16,0-1 0-16,0 3 0 0,-1-1 0 0,0 1 0 16,-3-1 0-16,1 0 0 0,-1 1-256 0,0-2 80 15,-1 3 16-15,-5 3 0 0,5-7 160 0,-5 7 0 16,0 0-144-16,0 0 144 0,8-5-144 0,-8 5 144 16,0 0-192-16,0 0 192 0,0 0-128 0,6 5 128 15,-6-5 0-15,7 5 0 0,-7-5-320 0,0 0 64 16,6 5 0-16,1 1 0 0,-7-6 112 0,8 5 144 0,-2 0-208 0,2 0 80 31,1 1-256-31,4 3-32 0,0-7-16 0,-1 2 0 16,-2-1-176-16,0-2-32 0,-10-1-16 0,10 0 0 15,0 1-272-15,2-1-48 0,-12 0-16 0,8-1 0 16,0 2 96-16,0-2 32 0,-1 1 0 0,-7 0 0 16,0 0-32-16,10-4 0 0,-3 2 0 0,-7 2 0 15,0 0-96-15,0 0-32 0</inkml:trace>
-  <inkml:trace contextRef="#ctx0" brushRef="#br0" timeOffset="34442.62">14510 13746 6447 0,'0'0'272'0,"0"0"80"0,0 0-352 0,0 0 0 16,-9-8 0-16,9 8 0 0,-6-7 3920 0,-1 3 720 16,7 4 144-16,-9-2 16 0,1-1-2624 0,3 3-544 15,-3-5-96-15,-2 1-32 0,10 4-16 0,0 0 0 16,0 0 0-16,0 0 0 0,0 0-896 0,0 0-176 15,0 0-32-15,2 14-16 0,-2-14 32 0,6 10 16 16,1-4 0-16,6 3 0 0,-1-5 64 0,-1-1 16 16,2-3 0-16,4-5 0 0,0-1-112 0,9-3 0 15,-2 0-16-15,-8 3 0 0,2-1-112 0,2-1-32 0,-1-4 0 16,10-3 0-16,-4 2-96 0,-11 2 0 0,1-2-128 0,-2 2 192 16,0 0-64-16,-3 1-128 0,-1-1 176 0,2-2-176 15,-5 0 144-15,-3 3-144 0,-3 1 0 0,0 9 144 16,-4-7-144-16,-1-1 0 0,-3 3 0 0,-5-1 0 15,0 2-256-15,2 1-96 0,-2 6-16 0,-6-1 0 0,0 1 176 0,8 1 16 16,-2 2 16-16,-7 6 0 0,3 0-32 0,2 1-16 16,1 1 0-16,7-1 0 0,0-1 208 0,1 2 0 15,0-1 0-15,1 2-144 16,1 0 144-16,3 1 0 0,1 0 0 0,1 4 0 0,5-1 0 0,-1-6 0 16,1-2 0-16,3-1 0 0,2-4 0 0,-2-2 176 15,1-1-176-15,9-1 192 0,-2-2-64 0,-4 0-128 16,1-4 192-16,8 2-64 0,-1-5-128 15,-7 5 128-15,2-4-128 0,5 1 128 0,-2-1-128 0,-7 2 0 16,0 0 0-16,-2 1 0 0,2-3 0 0,-2 2 0 16,0 0 0-16,3 0 0 0,-2 0 128 0,0 0-128 15,-11 4 128-15,11-4-128 0,1 0 0 0,-4 3 0 16,-1 0 0-16,3-2-176 0,-10 3 176 0,6-1 0 16,-6 1 0-16,11 0 0 0,-11 0 0 0,0 0 0 15,0 0 0-15,9 4 0 0,-1-3 0 0,0 2 0 16,0-1 0-16,2 2 0 0,-10-4 0 0,10 3 0 0,1-2 0 0,6 2 0 15,-2-1 0-15,-4 0 0 16,-1-2 0-16,6 1 0 0,-3 0 0 0,-4 2 0 16,1-3 0-16,1 0 0 0,-2 4 0 0,0-3 0 15,-1 4 0-15,0-1 0 0,-3 1 0 0,2 2 0 16,-7-7 0-16,5 8 0 0,-1-2 128 0,0 2 0 0,0 0 0 0,1 0 0 16,1-2 0-16,2 1 0 0,1-1 0 0,2-2 0 15,0 0-128-15,2 1 0 0,2-5 0 0,2 0 128 16,1 0-128-16,1-2 128 0,2-1-128 0,3 2 128 15,2 1-704-15,-1-4-144 16,-2 1-32-16,-2 1 0 0,-4-2-2368 0,0 0-464 16</inkml:trace>
+  <inkml:trace contextRef="#ctx0" brushRef="#br0" timeOffset="34442.61">14510 13746 6447 0,'0'0'272'0,"0"0"80"0,0 0-352 0,0 0 0 16,-9-8 0-16,9 8 0 0,-6-7 3920 0,-1 3 720 16,7 4 144-16,-9-2 16 0,1-1-2624 0,3 3-544 15,-3-5-96-15,-2 1-32 0,10 4-16 0,0 0 0 16,0 0 0-16,0 0 0 0,0 0-896 0,0 0-176 15,0 0-32-15,2 14-16 0,-2-14 32 0,6 10 16 16,1-4 0-16,6 3 0 0,-1-5 64 0,-1-1 16 16,2-3 0-16,4-5 0 0,0-1-112 0,9-3 0 15,-2 0-16-15,-8 3 0 0,2-1-112 0,2-1-32 0,-1-4 0 16,10-3 0-16,-4 2-96 0,-11 2 0 0,1-2-128 0,-2 2 192 16,0 0-64-16,-3 1-128 0,-1-1 176 0,2-2-176 15,-5 0 144-15,-3 3-144 0,-3 1 0 0,0 9 144 16,-4-7-144-16,-1-1 0 0,-3 3 0 0,-5-1 0 15,0 2-256-15,2 1-96 0,-2 6-16 0,-6-1 0 0,0 1 176 0,8 1 16 16,-2 2 16-16,-7 6 0 0,3 0-32 0,2 1-16 16,1 1 0-16,7-1 0 0,0-1 208 0,1 2 0 15,0-1 0-15,1 2-144 16,1 0 144-16,3 1 0 0,1 0 0 0,1 4 0 0,5-1 0 0,-1-6 0 16,1-2 0-16,3-1 0 0,2-4 0 0,-2-2 176 15,1-1-176-15,9-1 192 0,-2-2-64 0,-4 0-128 16,1-4 192-16,8 2-64 0,-1-5-128 15,-7 5 128-15,2-4-128 0,5 1 128 0,-2-1-128 0,-7 2 0 16,0 0 0-16,-2 1 0 0,2-3 0 0,-2 2 0 16,0 0 0-16,3 0 0 0,-2 0 128 0,0 0-128 15,-11 4 128-15,11-4-128 0,1 0 0 0,-4 3 0 16,-1 0 0-16,3-2-176 0,-10 3 176 0,6-1 0 16,-6 1 0-16,11 0 0 0,-11 0 0 0,0 0 0 15,0 0 0-15,9 4 0 0,-1-3 0 0,0 2 0 16,0-1 0-16,2 2 0 0,-10-4 0 0,10 3 0 0,1-2 0 0,6 2 0 15,-2-1 0-15,-4 0 0 16,-1-2 0-16,6 1 0 0,-3 0 0 0,-4 2 0 16,1-3 0-16,1 0 0 0,-2 4 0 0,0-3 0 15,-1 4 0-15,0-1 0 0,-3 1 0 0,2 2 0 16,-7-7 0-16,5 8 0 0,-1-2 128 0,0 2 0 0,0 0 0 0,1 0 0 16,1-2 0-16,2 1 0 0,1-1 0 0,2-2 0 15,0 0-128-15,2 1 0 0,2-5 0 0,2 0 128 16,1 0-128-16,1-2 128 0,2-1-128 0,3 2 128 15,2 1-704-15,-1-4-144 16,-2 1-32-16,-2 1 0 0,-4-2-2368 0,0 0-464 16</inkml:trace>
   <inkml:trace contextRef="#ctx0" brushRef="#br0" timeOffset="34687.64">14453 13355 24879 0,'-10'-13'2208'0,"4"7"-1760"16,0 1-448-16,1-1 0 0,2 2 2144 0,3 4 352 16,0 0 64-16,0 0 0 0,0 0-1904 0,0 0-384 15,5 10-80-15,0-1 0 0,-1 2-192 0,2-1 128 16,-1 1-128-16,5 7 128 0,3 4-128 0,-2-4-176 15,-2-1 48-15,-4-5 0 16,-1 0-2160-16,-1-3-416 0,-1-3-96 0,-2-6-16 0</inkml:trace>
   <inkml:trace contextRef="#ctx0" brushRef="#br0" timeOffset="34843.64">14237 13429 25631 0,'-34'-3'1136'0,"9"3"224"0,-5 2-1088 0,5-4-272 0,-5-4 0 0,-5 2 0 0,-3 3 1248 0,-2 1 192 16,-6-2 32-16,4 2 16 15,2 0-768-15,3-1-144 0,6 1-48 0,3 0 0 0,5 1-208 0,-3-1-32 16,9 0-16-16,7-1 0 0,10 1-80 0,0 0 0 16,0 16-16-16,6-3 0 15,7-4-2288-15,6-1-464 0</inkml:trace>
   <inkml:trace contextRef="#ctx0" brushRef="#br0" timeOffset="35443.64">16324 13263 23039 0,'0'-11'1024'0,"-12"-18"192"0,12 15-960 0,0-1-256 16,0 5 0-16,0 2 0 0,0 8 1120 0,0 0 176 16,0 0 48-16,0 0 0 0,0 0 48 0,-5 6 16 15,-3 5 0-15,0 7 0 0,-1 6-832 0,-1 6-176 16,-5 7-16-16,-4 23-16 0,2-1-48 0,0-3-16 0,0-6 0 0,3 2 0 16,1 0 16-16,2-3 0 15,3 1 0-15,3-3 0 0,1-4-112 0,3-5-16 16,1-4 0-16,3-6 0 0,-1-3-192 0,1-4 176 15,1-8-176-15,3 3 160 0,4 2-416 0,2-2-96 16,-3-7-16-16,-1-7 0 16,-1-2-2448-16,-8 0-512 0</inkml:trace>
@@ -1196,7 +1196,7 @@
   <inkml:trace contextRef="#ctx0" brushRef="#br0" timeOffset="-149229.08">24445 15652 10127 0,'0'0'896'0,"6"-11"-704"0,1 0-192 0,-2-2 0 16,-1-2 4208-16,0 5 800 0,-3 5 176 0,-1 5 16 15,0 0-3168-15,-3 14-640 0,-2 3-128 0,-4 6-32 16,-3 3-656-16,-3 7-144 0,-7 5-32 0,-2 3 0 16,-3 4 224-16,-2-2 32 0,-1 2 16 0,0 4 0 15,-1-1-272-15,1 0-48 0,-3-2-16 0,5-3 0 16,0-3-192-16,5-1-144 0,3-2 192 0,4-5-192 0,5-4 0 0,2-6 0 16,2-5 0-16,2-4 0 0,5-13 0 0,0 0 0 15,0 0-128-15,0 0 128 0,0 0 0 0,5-8 0 16,3-5 0-16,2-6 0 15,3-5-128-15,4-2 128 0,3 0 0 0,2-4-144 0,2-3 144 0,2-1 0 16,1-3-144-16,0-5 144 0,1-4 0 0,0 1-144 16,0 0 144-16,3 2 0 0,3 0-144 0,0 4 144 15,-2 5 0-15,2 6-144 0,0 4 144 16,-2 6-192-16,-5 5 192 0,-4 4-192 0,-2 2 192 0,-5 6 192 16,-4 2-32-16,-12-1-16 0,0 0-144 0,0 12 160 15,-7 2-160-15,-5 2 160 0,-5 2-160 0,-3 0 0 16,-4 1 0-16,-2-1 0 0,0 0-224 0,1 4 80 15,2-2 16-15,3-1 0 0,2-2-64 0,2-2 0 0,5-2 0 0,1-4 0 16,10-9 192-16,-5 8-128 16,5-8 128-16,0 0-128 0,0 0 128 0,0 0 0 0,0 0 0 0,16-3 0 15,1-2 0-15,4-3 144 0,3-2-16 0,6-3-128 16,3-2 144-16,5 0-144 0,4-2 0 0,1 0 144 16,0 0-144-16,0-1 0 0,-2-1-192 15,0-4 192-15,-6-1-208 0,1 1 80 0,2-2 128 0,-1 0-208 16,-5-1 208-16,2-1 0 0,0 1-160 0,0 1 160 15,-1 0-160-15,-5 1 160 0,-2-1-208 0,-5 1 80 16,-4 5 128-16,-4 0-192 0,-4 5 192 0,-3 4-192 16,-6 10 192-16,0 0 176 0,-6-7-48 0,-4 5 0 15,-4 4 128-15,-5 5 32 0,-3 4 0 0,-1 8 0 16,-2 0-288-16,-2 5 0 0,-2-1 0 0,3 3 0 16,2 0 0-16,1 3 0 0,-1 0 160 0,2 1-160 15,0 2 0-15,4-2 128 0,1 3-128 0,4-2 0 16,1-2 0-16,3-3 0 0,5 0 0 0,0-4 0 0,3-2 128 0,2-3-128 15,2-4 0-15,2-2 128 0,0-3-128 0,3 1 0 16,2-5 0-16,1-1 0 0,1-3 0 0,2 0 0 16,3-4 0-16,1 1 0 0,-2-3 0 0,2 1 0 15,2-1 0-15,-1 0 0 0,-1-1 0 0,1 2 0 16,-4 0 128-16,0 0-128 0,-4 0 0 0,0-1 0 16,-1 1 0-16,-10 5 0 0,9-4 0 0,-9 4-176 15,0 0 176-15,0 0-192 0,0 0 192 0,0 0-128 16,0 0 128-16,0 0-128 0,7 11 128 0,-7-11 0 15,1 11 0-15,0 2 0 0,-1-4 0 0,0-9 0 16,0 12 0-16,3-1 0 0,-3-11 0 0,7 11 0 16,0-5 0-16,3-1 0 0,1-4 0 0,2-1 0 0,0-1 128 15,2-2-128-15,0 1 128 0,1-4-128 0,-2 0 160 16,2-1-160-16,1 1 0 0,0-2 0 16,-1-1 0-16,-1 0 0 0,-3 0 0 0,-3 0 0 0,-2-2 0 0,-2 1 0 15,-3-1 0-15,0 1 0 0,-2-1 0 0,0 11 144 16,-4-9-144-16,-3 0-224 0,-2 1 48 0,-1 3 16 15,-2 2 160-15,-2 2-192 0,-2 0 192 0,2 1-192 16,1 2 192-16,0 4 0 0,0 0 0 0,-1 3 0 16,3-2 0-16,0 2 0 0,2 1 0 0,3 1 0 15,0-3 0-15,6-8 0 0,0 0 0 0,2 11 0 16,-2-11 0-16,0 0 0 0,10 8 128 0,2-3-128 0,1-1 144 16,1-4-144-16,2 0 192 0,1-2-192 0,1-2 0 0,0 0 0 15,-1-1-160-15,0-1 160 0,-1 1-368 0,-2 1 48 16,-1-2 16-16,0-1 0 0,0 1 112 0,0 1 0 15,-1-1 16-15,0 1 0 0,0 0 176 0,-1 0 0 16,2 1-144-16,-2 0 144 0,-11 4-128 16,10-5 128-16,1 2-160 0,-11 3 160 0,10-1 0 0,-10 1 0 15,13 1 128-15,-13-1-128 16,11 3 272-16,-11-3-48 0,9 5-16 0,-9-5 0 0,10 8-32 0,1-2-16 16,-11-6 0-16,11 11 0 0,-3-1-160 0,0 2 0 15,-2-3 0-15,1 1 0 0,-4 1 0 0,-1-1 128 16,0 2-128-16,-1 0 0 0,-1-1 0 0,0 1 0 15,0 0-192-15,0 0 192 0,0-1-320 0,1 0 64 0,2-2 16 16,1 1 0-16,3-3 0 0,5 1 0 16,4-2 0-16,3 2 0 0,4-3-16 0,1-2-16 0,2-3 0 0,2-3 0 31,-2 2-416-31,-1-4-80 0,-3 0 0 0,1-2-16 16,-3 4-80-16,-1-3-16 0,0-3 0 0,-1 2 0 0,-1-1 432 0,-2 2 64 0,0-5 32 0,-2 4 0 15,-1-2 352-15,-2-1 0 0,0 1 0 0,-2-1 0 16,0-1 0-16,-3 1 256 0,-1 1-32 0,-1-3-16 15,-3 0 160-15,-1 2 16 0,-2 1 16 0,-1-2 0 16,-3 2 64-16,1 5 16 0,-1-1 0 16,-3 4 0-16,-3 2-16 0,1 4 0 0,1-2 0 0,-4 5 0 15,0 0-240-15,0 3-48 16,2 1-16-16,1 2 0 0,2 1 64 0,2-1 16 0,2-1 0 0,2 1 0 16,2 2-240-16,4-3 0 0,2 0 0 0,5-1 0 15,2 0 0-15,4-1 0 0,2-4 0 0,4 1 0 16,3 2-336-16,5-3 32 0,4-2 16 0,3-2 0 15,6-5-352-15,1 2-64 0,3 2 0 0,-1-5-16 0,1-1 320 0,-7-4 64 16,-5-2 16-16,-3 2 0 0,-4-4 320 0,0 0 0 16,-3 1 0-16,1-1 128 0,-1 0 128 0,-2 1 32 15,0-1 0-15,-1 1 0 0,-3 0 0 0,-4 0 0 16,-2 3 0-16,-4-2 0 0,-4 1 64 0,-4 2 16 16,-3-1 0-16,-5 6 0 0,-6-3 288 0,-2 3 64 15,-2 5 16-15,-3 3 0 0,-2 2-512 0,-1 5-96 16,0 0-128-16,1 2 176 0,4 2-48 0,1 1 0 15,2 0 0-15,3 0 0 0,3-1-128 0,3-1 0 16,2-2 0-16,3-1 0 0,5-2 0 0,2-3 0 16,-5-8 0-16,13 5 128 0,0-5-128 0,4-3 0 15,2-2-160-15,3-1 160 0,3-4 0 0,2-1-144 16,4-4 144-16,6 1 0 0,2 0-384 0,1-3 0 16,2-3 0-16,-2-1 0 0,-1 0 96 0,-2-1 32 0,-2-1 0 0,-5-1 0 15,-5-2 256-15,-3 0 0 0,-4-3 0 0,-1 3 0 16,-4 0 192-16,-2 0 0 0,-5-1 0 0,-1 2 0 15,-3 4 32-15,-4 7 0 0,-1 5 0 0,-5 4 0 16,-4 5 496-16,-4 5 112 0,-4 5 0 0,-4 3 16 16,-1 3-432-16,-2 3-96 0,1 2 0 0,-2 4-16 15,1 2-96-15,1 3-16 0,1 0 0 0,6 0 0 16,4 3-16-16,6-2-16 0,5-1 0 0,8-1 0 16,5-2-464-16,8 6-80 0,7 3-32 0,1-3-11104 15,2-10-2208-15</inkml:trace>
   <inkml:trace contextRef="#ctx0" brushRef="#br0" timeOffset="-148826.09">24296 15628 21183 0,'-10'3'1888'0,"-5"-3"-1504"0,-6-3-384 0,-2 7 0 16,-2 8 2448-16,-5 4 432 0,-2 2 64 0,-5 4 32 15,2 4-1984-15,-2 1-400 0,-2 2-80 0,4-2 0 16,1 3-224-16,4 2-32 0,4 3-16 0,3 3 0 15,2-3-1824-15,4-4-352 0</inkml:trace>
   <inkml:trace contextRef="#ctx0" brushRef="#br0" timeOffset="-146228.44">27430 16264 11967 0,'0'0'1072'0,"0"0"-864"16,0 0-208-16,0 0 0 0,0 0 3264 0,3-13 624 15,-3 13 112-15,8-10 32 0,2 0-3200 0,3 0-624 16,1-3-208-16,3 2 128 0,2-1 64 0,-1-6 32 16,-1-1 0-16,1-5 0 0,-1-5 384 0,3 0 80 15,2 2 16-15,1 3 0 0,2 0-256 0,0 3-64 16,-2 0 0-16,2 1 0 0,0 1-208 0,-3 1-48 16,-2-1-128-16,-4 5 192 0,0 1 48 0,-3 4 0 0,-1 0 0 0,-3 2 0 15,-2 3 80-15,-7 4 0 0,0 0 16 0,0 0 0 16,0 0-208-16,0 0-128 0,0 0 128 0,7 13-128 15,-1 2 0-15,-3 0 0 0,-1 1 0 0,-1 0-128 16,0-2 128-16,-1 3 0 0,0 0 0 0,2 0 0 16,0 0 128-16,0 0-128 0,-2 1 160 0,0-1-160 15,-2-1 192-15,0-2-64 16,-4 0-128-16,1-1 192 0,-1 0-192 0,-5 0 0 0,0-1 0 0,-1 1 0 16,1 1 0-16,-2-2 0 0,-1-1 0 0,-2-4-160 15,-1 0 16-15,0-3 0 0,1-2 0 0,0 0 0 16,2-1 144-16,3-1 0 0,1-1 0 0,10 1-128 15,-9-5 128-15,1 2 0 0,8 3 0 0,0 0-128 16,0 0 128-16,0 0 0 0,0 0 0 0,0 0 0 16,0 0 144-16,0 0-144 0,11 6 192 0,4-4-192 15,2 0 336-15,2 0-32 0,2-2-16 0,4-2 0 16,2-2-48-16,2 2-16 0,1-2 0 0,0-1 0 0,0-3-224 0,1 1 128 16,1 1-128-16,-5-1 0 0,-2-2 0 0,-2 0 0 15,-1 0 0-15,-1 0 0 0,-1-2 0 0,1 1 0 16,-1 0-160-16,0 0 160 0,0 0-160 0,-2 1 160 15,0 1-192-15,-4 2 192 0,-2 0-176 0,-1 2 176 16,-11 4-160-16,0 0 160 0,0 0-176 0,0 0 176 16,0 0-192-16,0 0 192 0,-3 15 0 0,-4-2 0 0,-2 0 0 0,-1 0 0 15,-1 0 128-15,4 0 16 16,1-3 16-16,4 2 0 0,-1-3-160 0,3-9 0 16,0 0 0-16,0 0 128 0,7 12-128 0,-7-12 128 0,11 5-128 0,3-1 128 15,-1-3 32-15,1-1 0 16,0 0 0-16,1-2 0 0,-1-1-16 0,2-1 0 0,-1-1 0 0,1 2 0 15,-1-3-144-15,1 1 0 16,-2-1 144-16,0 0-144 0,-4-1 128 0,-2 1-128 0,-2-5 128 16,-1 4-128-16,-1-2 0 0,-1-1 128 0,0-1-128 15,-2-1 0-15,-1-1 0 0,-1 0 0 0,-1 0 0 0,2 1 0 16,-1 0-192-16,-2 2 32 0,-2 0 16 0,-1 0 0 16,-3 1 16-16,-1 3 0 0,1 1 0 0,0 1 0 15,0 2 128-15,-3 2 0 0,2 3 0 0,-2 2 0 16,-1 0-144-16,0 6 0 0,-3 1 0 0,1 2 0 15,-1 2 144-15,3-1 0 0,0-1-144 0,3 0 144 0,2-4 0 16,3 0 0-16,1 1 0 0,4-11 0 0,1 13 0 0,3-3 0 16,-4-10 0-16,10 9 0 0,1-5-160 0,2 0 160 15,2-2-208-15,2-2 80 0,2 0 128 0,1-2-192 16,4 1 192-16,2-3-192 0,0 1 192 0,0-3-160 16,-1-1 160-16,1 0-160 0,1-3 160 15,-1 1-192-15,-1-2 192 0,0-2-192 0,0-1 192 0,1 1 0 16,-1 0 0-16,-2 3-128 0,-1 1 128 0,-1 0 176 15,-1 1-48-15,-3 3 0 0,-4 1 128 0,-3 1 32 16,-10 3 0-16,0 0 0 0,0 0-48 0,0 0-16 16,0 0 0-16,0 11 0 0,-4 0-64 0,-2 2-16 15,-3 2 0-15,-1 0 0 0,0 0-16 0,1 0-128 16,1 0 192-16,0-1-64 0,-2 0-128 0,2 1 0 16,1 0 0-16,2 0 128 0,0-2-128 0,2-2 0 0,3-11 0 15,2 14 0-15,-2-14 0 0,6 11 0 16,2-2 0-16,-8-9 0 0,10 6 160 0,2-3-160 0,3-1 192 0,2-2-192 15,1-2 192-15,3 0-192 0,-1-2 192 0,3-1-192 16,-1 0 144-16,0-1-144 0,0 0 0 0,-1-2 144 16,-3 1-144-16,-1 1 0 0,-2-4 0 0,-2 0 0 15,-6 1 0-15,-1-1 0 0,-2 1 0 0,-2-2 0 16,-3 1 0-16,-3-1 0 0,-3 1 0 0,0 0 0 16,-5 0-176-16,-1 4-16 0,-2-3 0 0,-1 2 0 15,-3 3 0-15,2-1 0 0,0 3 0 0,2 2 0 16,0 0 192-16,2 1-160 0,2 0 160 0,1 0-160 15,10-1 160-15,0 0-128 0,0 0 128 0,0 0-128 16,0 0 128-16,0 0 0 0,0 0 0 0,0 0-128 16,16-1 128-16,2 0 0 0,2-3 0 0,2 1 0 15,3 1 0-15,0-1 0 0,-1-1 0 0,2 0 0 0,-2 0-176 16,-2 2 176-16,-1 0-208 0,-1 2 80 0,-4 0 128 16,-1 4-128-16,-3 3 128 0,-2-2-128 0,-4 4 128 0,-2 2 0 15,-2 0 0-15,-2 1-128 0,-3 2 256 0,-1 1 64 16,-2-1 16-16,-1 0 0 0,1 1 64 0,-2-2 16 15,-1 0 0-15,0 0 0 0,1-4-112 0,1-1-32 16,1 0 0-16,6-8 0 0,0 0-144 0,0 0 192 16,0 0-192-16,0 0 192 0,0 0-192 0,0 0 0 15,0 0 0-15,0 0 0 0,0 0 0 0,11 5 0 16,1-5 0-16,0-3 0 0,0 1 0 0,1-5 0 16,0-3-192-16,4-1 192 0,0 1-272 0,1-3 64 0,0-1 16 15,0 0 0-15,1 1 192 0,-1 2-192 16,0 3 192-16,0-1-192 0,-2 4 192 0,-2 1 0 0,-2 2-160 0,-1 2 160 15,-11 0 0-15,10 6-144 0,-10-6 144 16,6 11 0-16,-2 1 0 0,-1 1 176 0,-3 1 0 16,1-1 0-16,2 2-176 0,0-2 128 0,-3-13-128 15,5 13 128-15,1 0-128 0,3 0 0 0,3-7 144 0,1 2-144 16,3-3 192-16,1-1-16 0,1-1-16 0,0-2 0 16,0 2-16-16,2-3 0 0,1-5 0 0,-2 2 0 15,1-1-144-15,-2 0 0 0,-1-1 144 0,-1 0-144 16,-2-2 0-16,1 1 0 0,-4-5 0 0,0 2 0 15,-1 1 0-15,-1-2 0 0,-1 0 0 0,-3 0 0 16,-1-1-176-16,-1 0 176 0,-2 1-208 0,-1-1 80 0,-2 0-64 0,-1 2 0 16,3 9 0-16,-4-10 0 0,4 10 64 0,-8-3 0 15,-1 0 0-15,0 3 0 0,-2 3 128 0,1 4-128 16,0 4 128-16,-3 1-128 0,-3 2 128 0,0 3 0 16,-1 0 0-16,3 1 128 0,1 0-128 0,4 1 0 15,4-3 0-15,3-3 0 0,2 4 0 0,4-4 0 16,4 1 128-16,2-3-128 0,4 1 0 15,1-6 144-15,1 4-144 0,2-3 0 0,0-3 0 16,2 0 0-16,1-4 0 0,1 0-144 0,-1-1-16 0,1-3 0 16,-1-1 0-16,1-3 0 0,0-1 0 0,2-2 0 15,-2 1 0-15,3 0 0 0,1-2 160 0,0 1 0 16,-2-3 0-16,3 2 0 0,-3-1 0 0,1 3 0 16,-3 1 0-16,-1 1 0 0,-1-1 0 0,-3 2 0 0,-3 3 0 15,0 2 0-15,-2 0 128 0,-2 1 64 0,-10 1 16 16,11 3 0-16,-11-3-48 0,8 6-16 0,-8-6 0 0,5 12 0 15,-3 0-16-15,-3 1-128 0,-1 0 192 0,-4-1-64 16,0-1 16-16,-1 1 0 16,0 0 0-16,-1 0 0 0,0-2 48 0,1 3 0 0,1-1 0 0,1 1 0 15,2-2-192-15,3 1 192 0,0-12-192 0,10 12 192 16,5-2-192-16,6 0 128 0,5-5-128 0,8-3 128 16,5-4-128-16,12 0 0 0,11 1 0 0,6 0 0 31,1 0-2320-31,-5 1-448 0</inkml:trace>
-  <inkml:trace contextRef="#ctx0" brushRef="#br0" timeOffset="-145630.74">31022 16221 30815 0,'0'0'1360'0,"0"0"288"0,-5-9-1328 0,0 5-320 15,5 4 0-15,-10 3 0 0,0 4 896 0,-2 3 96 16,1 0 32-16,-1 1 0 0,0 2-576 0,2 0-96 16,4-1-32-16,2-1 0 0,4-11 16 0,2 13 0 0,-2-13 0 0,8 12 0 15,-8-12 32-15,13 9 0 16,1-2 0-16,2-5 0 0,1 1 16 0,1-3 0 15,1-3 0-15,1 1 0 0,-1-3-240 0,2-3-144 16,2-1 192-16,-3-1-192 0,0 0 0 0,-1-2 0 16,0 1 0-16,-5 1 0 0,-3-1-256 0,-4 0 64 15,0 1 0-15,-2 2 0 0,-5 8-64 0,0 0-16 0,0 0 0 0,-1-13 0 16,1 13-16-16,-12-9 0 0,-2 1 0 0,-3 0 0 16,-2-2 48-16,3 2 16 0,-3 5 0 0,6 3 0 15,4 0 224-15,9 0 0 0,-9 4 0 0,9-4 0 16,0 0 0-16,0 0 160 0,0 0-160 0,8 9 128 15,2-2 48-15,3-3 0 0,0-2 0 0,3 1 0 16,0 0-16-16,1-3 0 16,1 0 0-16,0 0 0 0,0 0-160 0,2 0 160 0,-1-2-160 0,1 2 160 0,1 0-160 15,0 2 0-15,-2-1 0 0,1 2 0 0,-2-1 0 0,0 1-144 16,-2-1 144-16,0 2 0 0,-2 2 0 0,-2-1 0 16,-12-5 0-16,8 6 0 0,-8-6 0 0,0 0 192 15,2 13 0-15,-3-1 0 16,-4-2 128-16,-2 1 32 0,-1-1 0 0,-2-1 0 15,-2-1 80-15,2 1 16 0,3-1 0 0,1 0 0 0,0 0-176 16,6-8-16-16,0 0-16 0,3 13 0 0,4-3-240 16,4-1 176-16,8-1-176 0,5-1 160 0,6-2-160 0,7 0 0 15,5-1 0-15,4 0 128 16,3 0-1216-16,-1 2-240 0,-1-2-48 0,-3 0-16160 0</inkml:trace>
+  <inkml:trace contextRef="#ctx0" brushRef="#br0" timeOffset="-145630.75">31022 16221 30815 0,'0'0'1360'0,"0"0"288"0,-5-9-1328 0,0 5-320 15,5 4 0-15,-10 3 0 0,0 4 896 0,-2 3 96 16,1 0 32-16,-1 1 0 0,0 2-576 0,2 0-96 16,4-1-32-16,2-1 0 0,4-11 16 0,2 13 0 0,-2-13 0 0,8 12 0 15,-8-12 32-15,13 9 0 16,1-2 0-16,2-5 0 0,1 1 16 0,1-3 0 15,1-3 0-15,1 1 0 0,-1-3-240 0,2-3-144 16,2-1 192-16,-3-1-192 0,0 0 0 0,-1-2 0 16,0 1 0-16,-5 1 0 0,-3-1-256 0,-4 0 64 15,0 1 0-15,-2 2 0 0,-5 8-64 0,0 0-16 0,0 0 0 0,-1-13 0 16,1 13-16-16,-12-9 0 0,-2 1 0 0,-3 0 0 16,-2-2 48-16,3 2 16 0,-3 5 0 0,6 3 0 15,4 0 224-15,9 0 0 0,-9 4 0 0,9-4 0 16,0 0 0-16,0 0 160 0,0 0-160 0,8 9 128 15,2-2 48-15,3-3 0 0,0-2 0 0,3 1 0 16,0 0-16-16,1-3 0 16,1 0 0-16,0 0 0 0,0 0-160 0,2 0 160 0,-1-2-160 0,1 2 160 0,1 0-160 15,0 2 0-15,-2-1 0 0,1 2 0 0,-2-1 0 0,0 1-144 16,-2-1 144-16,0 2 0 0,-2 2 0 0,-2-1 0 16,-12-5 0-16,8 6 0 0,-8-6 0 0,0 0 192 15,2 13 0-15,-3-1 0 16,-4-2 128-16,-2 1 32 0,-1-1 0 0,-2-1 0 15,-2-1 80-15,2 1 16 0,3-1 0 0,1 0 0 0,0 0-176 16,6-8-16-16,0 0-16 0,3 13 0 0,4-3-240 16,4-1 176-16,8-1-176 0,5-1 160 0,6-2-160 0,7 0 0 15,5-1 0-15,4 0 128 16,3 0-1216-16,-1 2-240 0,-1-2-48 0,-3 0-16160 0</inkml:trace>
   <inkml:trace contextRef="#ctx0" brushRef="#br0" timeOffset="-143678.72">1246 16592 25343 0,'0'0'1120'0,"4"10"224"0,3 3-1072 0,3 0-272 0,5 0 0 0,3-1 0 15,3-2 0-15,5 0-192 0,2-4 16 0,6 1 16 16,2-4 160-16,-1-5 128 0,-1-7-128 0,-3-4 176 16,-1-3 272-16,0-6 48 0,1 0 16 0,0 0 0 15,5-5 576-15,0-1 112 16,1-1 16-16,-1-2 16 0,3-2-656 0,3 1-144 0,0-4-32 0,-1 3 0 16,0 0-208-16,-5 3-32 0,-3-3-16 0,-3 2 0 15,-4 0-144-15,-4 0-144 0,-5 1 144 16,-1 2-208-16,-3 3 208 0,-3 3 0 0,-2 1 0 15,-4 3 0-15,-5 4 192 0,-2 2-32 0,-2 3 0 0,-4 2 0 16,-4 1 112-16,-3 3 32 16,-2 6 0-16,-6 1 0 0,-3 8-144 0,-3 3-32 0,-4 3 0 0,0 3 0 15,-1 0-128-15,0 4 0 0,0 1 144 0,1 4-144 16,1 3 128-16,0 3-128 0,3 4 160 0,4-2-160 16,4 0 176-16,3 3-176 0,0 0 192 0,5 0-192 0,4-1 128 0,3-3-128 15,3-5 0-15,4-2 0 0,4-4 0 0,3-1 0 16,0-3 128-16,5-2-128 0,4-3 0 0,3-4 0 15,2-3 0-15,3-5 0 16,4-1-448-16,6-2 16 16,4-4 0-16,8 1 0 0,6 0-48 0,-1-2-16 0,0-5 0 0,-7-1 0 15,-4-4-96-15,-2-4-32 0,-1-2 0 0,2-1 0 16,-3-2 144-16,2 0 32 0,-1-1 0 0,0 1 0 0,0-1 288 0,-3 2 160 16,-3 1-160-16,-6 5 160 0,-7-2 208 0,-5 3 144 15,-5 2 32-15,-2 3 0 0,-2 1 432 0,-4 8 80 16,0 0 32-16,-9-1 0 0,-1 1-272 0,-3 3-48 15,-4 1-16-15,-4 5 0 0,0 1-336 0,-1 1-64 16,-1-2 0-16,-1 5-16 0,2-1-32 0,1 1 0 16,1 2 0-16,4-3 0 0,1 1-144 0,2-1 0 0,1 0 144 15,2-1-144-15,0-1 0 0,2 0 128 0,3-3-128 0,1 0 0 16,4-8 0-16,-4 9 0 0,4-9 0 0,0 0 128 16,0 0-128-16,0 0 0 0,0 0 0 0,8 7-128 15,1-1-128-15,-9-6-32 0,11-2 0 0,1-2 0 16,0 1 32-16,2-4 0 0,2 3 0 0,1-1 0 31,-2-6-160-31,5 1-32 0,1-6 0 0,0 2 0 16,-3-2-320-16,0 2-80 0,-2 2-16 0,-2 5 0 0,-2 0 400 0,-3 3 80 0,-9 4 0 0,0 0 16 15,-5-3 736-15,-2 5 144 0,2 4 16 0,-1 6 16 16,0-2 80-16,1 4 16 0,-1 0 0 0,0 0 0 16,2-2-144-16,2 0-32 0,-1-2 0 0,3-10 0 0,0 0-224 0,4 12-48 15,3-3-16-15,-7-9 0 16,11 6 0-16,1-2 0 0,1-4 0 0,3 0 0 15,2-1-176-15,2-3 0 0,-2-1 144 0,0 0-144 16,3 0 0-16,-1-2-160 0,-3 3 16 0,2-1 0 16,1 4-256-16,-1-5-48 0,1 2-16 0,-2-3 0 0,0-4 704 15,1 2 144-15,-1-4 16 0,1-1 16 16,3-1-1632-16,-1 1-336 0,-1 1-64 0,-1 0-16 0,0 0 1152 0,-2-1 224 16,-3-2 64-16,2 0 0 0,-1-1 192 0,0-1 0 15,0 0 0-15,1 0 160 0,1-1 160 0,-3 1 16 16,-2 1 16-16,0-1 0 0,-2-2 48 0,-1 1 16 15,2-1 0-15,0 2 0 0,0 0-48 0,-1-1-16 0,1 2 0 16,-1 2 0-16,2 0-32 0,-2 2-16 0,-3 0 0 0,-1 3 0 16,1 1 48-16,-1 1 16 15,-2 2 0-15,-4 6 0 0,5-7-80 0,-5 7-16 16,7-5 0-16,-7 5 0 0,5-7-128 0,-5 7-16 0,0 0-128 16,0 0 192-16,0 0-192 0,7-6 128 0,-7 6-128 0,0 0 0 15,0 0 0-15,0 0 0 0,6-7 0 0,-6 7 0 16,0 0 128-16,0 0-128 15,0 0 0-15,0 0 0 0,0 0 0 0,0 0 0 0,0 0 0 0,0 0 0 16,0 0 0-16,0 0 0 0,0 0-128 0,-5 12 128 16,5-12 0-16,-5 10 0 0,-2-2 0 0,7-8 0 15,-8 7 0-15,8-7 0 0,0 0 0 0,-7 6 0 16,7-6 0-16,0 0 0 0,0 0 0 0,0 0 0 16,-9 5 128-16,9-5-128 0,0 0 0 0,0 0 144 0,0 0-144 0,0 0 0 15,0 0 0-15,0 0 128 0,0 0-128 0,0 0 0 16,0 0 0-16,0 0 0 0,0 0 0 0,0 0 0 15,0 0 0-15,0 0 0 0,0 0 0 0,0 0 0 16,0 0 144-16,0 0-144 0,0 0 128 0,0 0-128 16,0 0 128-16,0 0-128 0,-6 11 0 0,2-1 0 15,4-10 0-15,-6 15 0 0,-1-1 0 0,1 0 144 16,-5 3-144-16,0 3 0 0,-4 1 128 0,0 3-128 16,-2 3 0-16,0 0 0 0,-3 4 0 15,2 2 0-15,2 1 0 0,1-3 0 0,0-4 0 0,4 1 0 16,-1-1 0-16,4-2 0 0,3-3 0 0,4 2 0 15,4-4 0-15,4 3-144 16,2-5-752-16,3-3-128 0,2 0-48 0,10-5-9456 16,4-2-1888-16</inkml:trace>
   <inkml:trace contextRef="#ctx0" brushRef="#br0" timeOffset="-141722.42">2774 16431 3679 0,'0'0'160'0,"0"0"32"0,-5-6-192 0,5 6 0 15,0 0 0-15,0 0 0 0,0 0 4992 0,3-8 960 16,1-1 192-16,-4 9 48 0,5-9-4720 0,3 1-960 16,3 4-176-16,1 0-32 0,2 1 480 0,3 0 112 15,3 1 0-15,1 1 16 0,5 1-144 0,1 1-48 16,2-1 0-16,2 3 0 0,3-1-400 0,0 0-96 16,0 3-16-16,-1-2 0 0,-1-1-208 0,-1 2-192 0,1 0 48 0,-4-1 0 31,-2 1-784-31,-1-3-160 0,-3 1-16 0,-1 0-8048 0,-2-1-1600 0</inkml:trace>
   <inkml:trace contextRef="#ctx0" brushRef="#br0" timeOffset="-141208.41">3388 16546 13823 0,'0'0'1216'0,"-6"8"-960"0,1 4-256 0,1-2 0 16,4-10 2256-16,0 0 416 0,0 0 80 0,0 0 0 15,0 0-1952-15,0 0-400 0,11 4-80 0,-11-4 0 16,13-7 208-16,1 0 48 0,-1-3 16 0,4 1 0 0,-1 2 176 0,1 0 16 15,3-1 16-15,0 0 0 16,-1-2-432-16,2 2-96 0,-2-1-16 0,1 1 0 0,0 0-112 0,0 1-16 16,3 0-128-16,-3 1 192 0,-1-2-192 0,-2 1 176 15,-3-2-176-15,-4 3 160 0,-3-4-160 0,-3 3-224 16,0-3 48-16,-4 10 16 0,0-10-112 16,0 1-32-16,0 9 0 0,0 0 0 0,-11-4 48 15,1 1 0-15,-2 7 0 0,2 3 0 16,-1 2-32-16,-2 1 0 0,-2 6 0 0,0 1 0 0,0 5 288 0,0 0 0 15,1-2 0-15,4 1 0 0,0 0 0 0,7-1 0 16,1 3 0-16,5-6 0 0,2-3 0 0,3-2 176 16,2-1-176-16,3-2 160 0,3-2 32 0,2-2 16 15,2-1 0-15,2-7 0 0,0 1 48 0,3-3 16 16,0-2 0-16,-2-3 0 0,-2-3 0 0,1 1 0 0,2-2 0 16,0 1 0-16,2-4-96 0,2 0-32 0,2 1 0 0,0-4 0 15,0 4-16-15,0 1 0 16,-2 2 0-16,0 4 0 0,-1-1 128 0,-2 2 0 0,-4 0 16 0,-4 4 0 15,-7 1 16-15,-10 3 0 16,11 3 0-16,-11-3 0 0,0 0-96 0,4 10 0 0,-3 1-16 0,-2 2 0 16,-3 1 80-16,-3 2 32 0,-2 0 0 0,0 2 0 15,0 1-144-15,0-2-16 0,1-2-128 0,4-1 192 16,1-1-192-16,3 0 0 0,3-1 128 0,1-2-128 16,-4-10 0-16,8 11 0 0,2-1 128 0,3-5-128 15,1-1 0-15,5 0 0 0,3-3 0 0,3 3 0 31,-1 3-496-31,4-7-192 0,-3-4-32 0</inkml:trace>
@@ -1404,9 +1404,9 @@
   <inkml:trace contextRef="#ctx0" brushRef="#br0" timeOffset="137172.7">12100 7368 32703 0,'14'-8'720'0,"-14"8"160"0,0 0 16 0,0 0 16 0,9 0-720 0,0 1-192 0,1 3 0 0,-3 3 0 16,4 1 912-16,-2 3 160 0,-1 6 16 0,-2 0 16 16,1 4-272-16,-2 1-64 0,-1 4-16 0,-2-2 0 15,0 1-352-15,-2-1-64 0,-4 0-16 0,-3-1 0 0,-3 6-64 0,-3 1 0 16,-4 3-16-16,-3-2-12400 15,0 1-2496-15</inkml:trace>
   <inkml:trace contextRef="#ctx0" brushRef="#br0" timeOffset="137588.7">12681 7678 7359 0,'2'-29'320'0,"1"16"80"0,4 4-400 0,7 4 0 15,5 0 0-15,5 1 0 0,6-1 6624 0,2-2 1248 0,2 3 240 0,-2-5 48 16,3 0-6112-16,-1 0-1216 0,0 0-240 0,0-2-48 15,3 2-160-15,-15 3-48 0,1-1 0 0,8-3 0 16,-2 2-336-16,5 1 0 0,-5 4 0 16,-7 0-992-16,-3 2-112 0,-4-1-32 0,-15 2 0 15,0 0-2432-15,0 0-480 0</inkml:trace>
   <inkml:trace contextRef="#ctx0" brushRef="#br0" timeOffset="137738.7">13084 7350 14735 0,'0'0'640'0,"-9"0"160"0,-1 1-640 0,0 3-160 16,3 4 0-16,-1 6 0 0,3 4 4832 0,-1 6 928 16,-1 2 192-16,0 0 48 0,0 5-4304 0,4 0-864 15,-3 1-160-15,6-4-32 0,3-3-320 0,5 4-48 16,6 1-16-16,2-5-11840 16,2-1-2368-16</inkml:trace>
-  <inkml:trace contextRef="#ctx0" brushRef="#br0" timeOffset="138199.38">14061 7451 20271 0,'-8'-30'896'0,"1"15"192"0,-2 0-880 0,-3 6-208 16,-5 3 0-16,-1 4 0 0,-3 4 3056 0,-1 8 560 15,-1 10 112-15,-3 6 32 0,-3 8-2464 0,-1 6-480 0,0 8-112 0,1 3 0 16,2 1-160-16,3 2-32 0,4-2 0 0,4-3 0 16,7-2-192-16,2-2-32 0,2-6-16 0,4 0 0 15,5-5-272-15,1 0 0 16,3-3 0-16,1-6 0 0,1-4 0 0,2 1 0 15,1 0-240-15,0 0 80 16,-2-5-240-16,-2-5-48 0,-3-4-16 0,-6-8-16256 0</inkml:trace>
-  <inkml:trace contextRef="#ctx0" brushRef="#br0" timeOffset="138357.38">13530 7837 27647 0,'-4'-12'2448'0,"5"2"-1952"0,5 1-496 0,3 0 0 15,2 2 1536-15,6 1 224 0,4 1 32 0,3-1 16 16,3 2-1152-16,4-1-224 0,3 1-48 0,4 3-16 0,3 1-176 16,5 4-16-16,8 4-16 0,-5-3 0 15,-7-2-2064-15,-4-3-400 0,-4 0-96 0,-3-2-16 0</inkml:trace>
-  <inkml:trace contextRef="#ctx0" brushRef="#br0" timeOffset="138530.38">14368 7507 34319 0,'-18'-6'752'0,"2"5"144"0,-6-1 48 0,-1 7 32 0,-2 10-784 0,2 2-192 15,0 5 0-15,0 5 0 0,-2 2 688 0,3 2 80 0,4 2 32 0,3-3 0 16,5-3-336-16,6-1-64 16,3-2-16-16,6-2 0 0,5-1-384 0,6-3-256 15,5-2 48-15,5-3 0 16,1-4-2320-16,5-3-464 0</inkml:trace>
+  <inkml:trace contextRef="#ctx0" brushRef="#br0" timeOffset="138199.37">14061 7451 20271 0,'-8'-30'896'0,"1"15"192"0,-2 0-880 0,-3 6-208 16,-5 3 0-16,-1 4 0 0,-3 4 3056 0,-1 8 560 15,-1 10 112-15,-3 6 32 0,-3 8-2464 0,-1 6-480 0,0 8-112 0,1 3 0 16,2 1-160-16,3 2-32 0,4-2 0 0,4-3 0 16,7-2-192-16,2-2-32 0,2-6-16 0,4 0 0 15,5-5-272-15,1 0 0 16,3-3 0-16,1-6 0 0,1-4 0 0,2 1 0 15,1 0-240-15,0 0 80 16,-2-5-240-16,-2-5-48 0,-3-4-16 0,-6-8-16256 0</inkml:trace>
+  <inkml:trace contextRef="#ctx0" brushRef="#br0" timeOffset="138357.37">13530 7837 27647 0,'-4'-12'2448'0,"5"2"-1952"0,5 1-496 0,3 0 0 15,2 2 1536-15,6 1 224 0,4 1 32 0,3-1 16 16,3 2-1152-16,4-1-224 0,3 1-48 0,4 3-16 0,3 1-176 16,5 4-16-16,8 4-16 0,-5-3 0 15,-7-2-2064-15,-4-3-400 0,-4 0-96 0,-3-2-16 0</inkml:trace>
+  <inkml:trace contextRef="#ctx0" brushRef="#br0" timeOffset="138530.37">14368 7507 34319 0,'-18'-6'752'0,"2"5"144"0,-6-1 48 0,-1 7 32 0,-2 10-784 0,2 2-192 15,0 5 0-15,0 5 0 0,-2 2 688 0,3 2 80 0,4 2 32 0,3-3 0 16,5-3-336-16,6-1-64 16,3-2-16-16,6-2 0 0,5-1-384 0,6-3-256 15,5-2 48-15,5-3 0 16,1-4-2320-16,5-3-464 0</inkml:trace>
   <inkml:trace contextRef="#ctx0" brushRef="#br0" timeOffset="139598.87">14607 7789 5519 0,'4'-13'496'0,"0"4"-496"0,0-2 0 0,-2 2 0 16,-2 9 3264-16,4-8 576 0,-4 8 96 0,4-9 32 15,-3 0-1344-15,-2 1-256 0,-3-2-48 0,-1 6-16 16,5 4-704-16,-4 8-160 0,-1 5-32 0,-2 0 0 16,1 5-528-16,-2 0-112 0,-4 1-32 0,2-1 0 0,-2-4-288 0,4 2-64 15,2-2-16-15,-1 2 0 0,3-3-176 0,4-13-48 16,0 0 0-16,0 0 0 0,0 0-144 0,0 0 0 15,0 0 144-15,0 0-144 16,0 0 0-16,0 0 0 0,11 8 0 0,-11-8 128 16,15 1-128-16,1-6-160 0,-2-4 160 0,2-2-208 15,-2 0-240-15,1-1-32 0,0-3-16 0,0 1 0 0,-1-1 96 16,-1-1 16-16,0 0 0 0,-5 8 0 0,-2-2 192 16,1 1 32-16,-2 1 16 0,-1 3 0 0,-4 5 144 0,0 0 224 15,0 0-48-15,0 0-16 0,4 14 336 0,-1 4 64 16,-5-2 16-16,1 2 0 0,-3 1-160 0,3-1-32 15,1-3 0-15,1 0 0 0,-1-15-256 0,3 9-128 16,-3-9 0-16,4 9 128 0,-4-9-128 0,9 8 0 16,1-3 0-16,1-2 0 15,-1-3-768-15,0 0-48 0,1-2 0 0,-1 0-15184 0</inkml:trace>
   <inkml:trace contextRef="#ctx0" brushRef="#br0" timeOffset="139737.84">15328 7513 14735 0,'6'-11'640'0,"-6"11"160"0,0 0-640 0,0 0-160 16,7 9 0-16,-1 4 0 0,1 3 6096 0,-3 5 1200 15,-2 4 224-15,-4 7 48 0,-6 7-5824 0,-13 33-1168 16,-9 5-224-16,-10 21-12960 0,-9 20-2608 0</inkml:trace>
   <inkml:trace contextRef="#ctx0" brushRef="#br0" timeOffset="144900.81">13510 7852 4607 0,'0'0'400'0,"0"0"-400"16,0 0 0-16,10-10 0 15,-18 7 3952-15,-1 0 704 0,-2-2 144 0,1-1 16 0,1 4-2496 0,1-2-496 16,0 3-96-16,4-1-32 0,1 2-992 0,3 0-208 15,0 0-48-15,0 0 0 0,0 0-448 0,0 0 0 16,0 0 0-16,0 0 0 0,11 4-176 0,-1-1 176 16,3-1-160-16,2-2 160 0,-1-3 0 0,4-1 192 15,2-2-16-15,2 1 0 0,0-3 48 0,12-2 16 16,-3 0 0-16,-8 2 0 0,-1 0-48 0,2-1-16 16,3 1 0-16,-1-2 0 0,0-2-176 0,0 1 192 15,0-3-192-15,-1 1 192 0,-2-1-48 0,1-2 0 0,-1 0 0 16,-1-2 0-16,-2 0-144 0,-3-3 192 0,0 0-192 0,-2 2 192 15,0 0-64-15,-2 0-128 0,-3-1 192 0,-1 2-64 16,-2 0 0-16,-2 1 0 0,-1 0 0 0,-2 1 0 16,-2 2 0-16,-1 1 0 0,-1 0 0 0,-2-2 0 15,0 4-128-15,-3 0 128 0,-1 1-128 0,-1-1 128 16,0 5-128-16,-1 3 0 0,-1-1 144 0,-4 6-144 16,-1 2 0-16,2 1 0 0,-1 3 0 15,1-1 0-15,0 3-192 0,-2-1 32 0,2 4 0 16,-1 1 160-16,1 3-160 0,-2 1 160 0,2 2-160 15,1 1 160-15,-1 2 0 0,-1 2 0 0,0 9 0 16,-1 2 0-16,0-4 0 0,2 0 0 16,1 3 208-16,0 2-16 0,1-1-16 0,-4 17 0 15,5-7-176-15,4-16 160 0,1 2-160 0,1-4 160 16,1 4-160-16,1-5 0 0,0-2 144 0,2-2-144 0,0 1 128 16,-1-2-128-16,4-5 160 0,-2-1-160 0,-2-3 160 0,2 0-160 15,0-4 160-15,0-1-160 0,-1-2 176 0,1-6-176 16,0 0 192-16,-1 7-192 0,0-1 208 0,-2 1-64 15,3-7-16-15,-3 5 0 0,1 0 16 0,2-5 0 16,-3 7 0-16,3-7 0 0,0 0 0 0,0 0 0 16,0 0 0-16,0 0 0 0,-5 0 128 0,5 0 32 15,-5-2 0-15,5 2 0 0,-4-5-176 0,1-1-128 16,1-1 144-16,2 1-144 0,1-1 160 0,1-2-160 16,0-3 160-16,0-1-160 0,2-1 0 0,2-1 128 15,0-1-128-15,1-1 0 0,-2 0 0 0,1 1 0 0,1-4 0 0,-1 3 0 16,2 2 0-16,1 0 0 0,-1-1 0 15,1 1 0-15,2 1 0 0,-1 1 0 16,1 0 0-16,-2 0 0 0,0 1 0 0,0 0 0 0,0 2 0 16,-1 1 0-16,-2 1 0 0,2 3 0 0,-1-1 0 0,-1 3 0 15,-6 3 128-15,8-3 0 0,0-1-128 0,0 3 192 16,1 1-64-16,0 1 0 0,0 0-128 0,0 2 192 16,-1-2-192-16,0 2 176 0,0 1-176 0,-2 1 160 15,1 3 0-15,-1 1 0 0,-1 1 0 0,-1 1 0 16,0-1-16-16,-1 2 0 0,-2 2 0 0,0 2 0 15,-2 1-144-15,0 2 192 0,0-3-192 0,-2 2 192 0,2 2-192 16,-2-2 0-16,0 0 0 0,1 1 0 0,-2-1 0 0,1-1 0 16,1-2 0-16,0 1 0 15,2-4 0-15,3 0 0 0,-2-2 0 0,2-1 0 0,0-2 128 0,0-2-128 16,3 0 0-16,-1-1 128 0,-5-4 64 0,9-3 0 16,1 0 0-16,3-5 0 0,6-1 16 0,-1-7 16 15,0-1 0-15,3 0-12864 16,3 3-2576-16</inkml:trace>
@@ -1734,9 +1734,9 @@
   <inkml:trace contextRef="#ctx0" brushRef="#br0" timeOffset="-38232.75">11305 14575 24879 0,'-23'-30'1088'0,"13"16"256"0,2 6-1088 0,4 4-256 0,2 0 0 0,2 4 0 16,0 0 3616-16,0 0 672 16,0 0 128-16,0 0 16 0,0 0-3568 0,9 19-720 0,1-4-144 0,3 2 0 15,4 1 0-15,0-1 128 0,1-1-128 16,3 3 192 0,1 3-3040-16,-1-1-608 0</inkml:trace>
   <inkml:trace contextRef="#ctx0" brushRef="#br0" timeOffset="-37223.89">11603 15027 4607 0,'0'0'192'0,"7"-6"64"0,-1-1-256 0,1 1 0 0,-7 6 0 0,10-7 0 16,-2 2 3392-16,1-2 640 0,-1 0 128 0,0-4 32 15,1-1-2080-15,0 1-400 0,-1-5-96 0,3 0-16 16,3 3-192-16,-1-1-64 0,2 0 0 0,0-2 0 16,-2 0-352-16,1-2-80 0,0 3-16 0,-1-4 0 15,-1 2-384-15,-3 0-64 0,2-1-32 0,-5 1 0 16,-2 3-192-16,-1 1-32 15,-3 0-16-15,-2 2 0 0,-2 1 0 0,-2 3 0 16,-2 3 0-16,-2 1 0 0,-2 0-16 0,-1 3 0 0,-1 4 0 0,-2 2 0 0,-1 1-160 0,0 2 0 16,-3 1 0-16,3 3-176 0,1 2 176 15,2 0 0-15,3-1-144 0,3-1 144 0,3-2 0 16,2 2 0-16,2 0-144 0,2 0 144 0,2 0 0 0,2-1 0 16,1-3 0-16,4 0 0 0,1 2-128 0,2 1 128 15,0-1 0-15,2 2 0 0,0 3-128 0,1 0 128 16,0 1 0-16,-3 0 0 0,-2 2 0 0,-1-1-128 15,-4 2 128-15,-2 2 0 0,-3-1 0 0,-5 1-128 16,-2 2 128-16,-6 2 0 0,-4-3-192 16,-4 4 192-16,-6 2-192 0,-2-3 192 0,-1 3-176 0,0 0 176 15,-3-1-160-15,1-4 160 0,1-3 0 0,4-3-144 16,4-1 144-16,3-4 0 0,2-4 0 0,3-3 0 16,1 0 0-16,4-6 176 0,9 0 144 0,-7-7 16 15,2-1 16-15,4-1 0 0,4-3 0 0,0-2 0 16,3-3 0-16,4-5 0 0,7-1-352 0,1-5 0 15,1-6 0-15,4-2 0 0,6-2 0 0,6-2 0 16,5-2-192-16,5-4 64 16,2-3-304-16,1-6-48 0,-4-2-16 0,-2-3 0 15,-3 4-144-15,-1 2-48 0,0 7 0 0,-3 3 0 0,-1 2 304 0,-3 6 48 0,-2 2 16 0,-5 5 0 16,-1 6 320-16,-5 4 0 0,-4 5 192 16,-2 7-64-16,-12 7 336 0,0 0 64 0,0 0 16 0,0 0 0 15,6 12-80-15,-3 6-16 0,-4 1 0 0,-3 5 0 16,-3 3-256-16,-2 1-64 0,-1 0-128 0,-3 3 192 15,-2 3-192-15,1-2 144 0,0 0-144 0,-1-1 128 16,1 2-128-16,2-6 160 0,2-2-160 0,3-3 160 0,3-3-32 0,1 0-128 16,0-2 192-16,2-4-64 0,-2-3-128 15,3-10 160-15,0 0-160 0,0 0 160 0,0 0-160 0,0 0 0 16,0 0 0-16,0 0 0 0,0 0 0 0,0 0 0 16,0 0 0-16,4-9 0 0,0-1-192 0,1-4 48 15,2 0 0-15,2 0 0 0,1-1-80 0,1 0-16 16,-1 2 0-16,0 2 0 0,1 4 240 0,-2 0-192 15,-9 7 192-15,0 0-192 0,0 0 192 0,12 9 256 16,-3 4-48-16,-3 3-16 0,0 2 112 0,0 0 16 16,1 3 0-16,0 0 0 0,3-1-176 0,1-3-16 15,4-2-128-15,3-2 192 0,1-1-192 0,4-2 128 16,1-2-128-16,4 3 0 16,3 3-2000-16,-1-4-496 0</inkml:trace>
   <inkml:trace contextRef="#ctx0" brushRef="#br0" timeOffset="-36207.22">12872 14315 27647 0,'-17'-6'1216'0,"6"3"256"16,1 3-1168-16,-3 3-304 0,-4 1 0 0,0 4 0 15,1 3 560-15,-1 5 48 0,2 5 16 0,-1 5 0 0,0 4 384 0,1 1 80 16,-2 4 0-16,1 1 16 0,0 4-256 0,2 4-48 16,1 3-16-16,0 2 0 15,-3-3-448-15,3 1-80 0,2-1-32 0,0-3 0 16,2-6-64-16,1-4-16 0,2-3 0 0,1-6 0 0,1-5-144 0,1-3 0 16,0-4 0-16,2-2 0 0,1-10 128 0,0 0-128 15,0 0 0-15,0 0 128 0,0 0-128 0,0 0 160 16,0 0-160-16,0 0 160 0,5-9 48 0,2-1 16 15,1-5 0-15,2 0 0 0,2-4-224 0,1 0 0 16,0-2 128-16,0-1-128 0,1 1 0 0,1 4 0 16,0-1 0-16,0 3-160 0,-1 5 160 0,0 0-208 15,-1 3 80-15,-2 3 128 0,-11 4-192 0,11-1 192 0,-11 1-160 0,12 5 160 16,-12-5 0-16,8 12 0 16,-3 0 0-16,-2 2 0 0,-2 2 192 0,-1-1-192 15,-1 0 192-15,-2-1-192 0,2 0 144 0,-2 1-144 0,1-5 0 0,-1 2 144 16,0-1-144-16,3-11 0 0,-1 12 0 0,1-12 0 15,-1 12 128-15,1-12-128 16,-3 9 0-16,3-9 128 0,0 0-128 0,3 9 0 16,-3-9 0-16,0 0 0 0,0 0 0 0,10 5 0 15,-10-5 0-15,15 2 0 0,0-4 0 0,1-2-256 16,0 1 48-16,3-7 0 16,2 1-288-16,0-1-48 0,-3-1-16 0,0 0 0 15,2-2 32-15,-2 0 0 0,-1 0 0 0,-1 0 0 0,-2 1 288 0,-1 1 64 0,-1 2 16 0,-2 4 0 16,-1-1 160-16,-9 6 0 0,0 0 128 0,0 0-128 15,0 0 512-15,0 0 16 0,11 9 16 0,-3 0 0 16,-8-9-96-16,8 12 0 0,-2-2-16 0,1-1 0 16,-1-1-240-16,2-2-32 0,2 0-16 0,1-2 0 15,0-1 48-15,0 0 0 0,-11-3 0 0,14 0 0 0,1 0 16 0,-5-3 16 16,0 1 0-16,7-3 0 0,-2 2-48 0,-1-3-16 16,-1-1 0-16,-4 3 0 0,0-1-32 0,6-3-128 15,-4-4 192-15,-1 3-64 16,-4 0-128-16,1 0 128 0,-2-1-128 15,-3-1 128-15,1-2-128 0,-2 1 0 0,-2 1 0 0,0-2 128 0,-3 0-128 0,-1 2 0 16,-2 1 0-16,-2 2 0 0,-1 3 0 0,-2 2 0 16,-1 3-176-16,-2 0 176 0,1 3-176 0,-2 3 176 15,1 2-208-15,-1 2 80 0,1 3 128 0,1 0 0 16,3-1 0-16,2 3 0 0,-1-4 0 0,4 4 0 16,2-4-192-16,3 1 64 0,1-1 128 0,2-1 0 15,-2-10 0-15,6 9-128 0,-1-2 128 0,5-2-160 16,2-1 160-16,-3-3-160 0,3-1 160 0,9-1-192 15,0-3 192-15,-1-1-192 0,3-2 192 0,0-2 0 16,2 0-144-16,0 0 144 0,-1 0 0 0,1-2 0 0,0 1 0 0,-3 2 0 16,-1 0-160-16,0 3 160 15,-2 0 0-15,-2-1-144 0,-2 2 144 0,-2 2 0 16,-2-1 0-16,1 3 0 0,-12 0 144 0,12 2 16 0,-2-1 0 16,-10-1 0-16,12 4-16 0,-2 1 0 15,-10-5 0-15,13 4 0 0,1 1-144 0,-1 2 128 0,-2-1-128 0,-2 1 128 16,-2 2-128-16,-1 0 0 0,1 1 0 0,-1 1 128 15,1 1-128-15,-2 1 0 0,-1-3 144 0,-1 3-144 16,-2 1 192-16,0-1-16 0,-2 0-16 0,0-1 0 16,-2-3 16-16,2 0 0 0,1 2 0 0,0-11 0 15,4 8-176-15,4-2 192 0,2-1-192 0,4-2 192 16,6-3-64-16,6-1-128 0,5-3 192 0,7 0-64 0,5-1-128 0,1-1-272 16,3 3 64-16,-2-1 16 15,-1 4-2448-15,-1-7-496 0</inkml:trace>
-  <inkml:trace contextRef="#ctx0" brushRef="#br0" timeOffset="-34336.85">14860 14970 27583 0,'0'0'1216'0,"-11"-12"256"0,11 12-1168 0,0 0-304 0,0 0 0 0,-4-4 0 15,-3 2 416-15,-3 4 32 0,0 6 0 0,-3 5 0 16,-3 1-64-16,1 3-16 0,0 2 0 0,0 0 0 15,-1 1 336-15,3 1 64 0,1-2 0 0,3 1 16 16,0-3-304-16,4 0-64 0,2-4-16 0,2 0 0 16,1-13-112-16,3 14-32 0,-3-14 0 0,5 12 0 15,-5-12-64-15,10 9-32 0,2-5 0 0,-2-4 0 16,1-3-160-16,2-2 0 0,2-3 144 0,4-1-144 16,0-3 0-16,1-1 0 0,1 2 0 0,0-3 0 15,-2-2-176-15,-1-1 0 0,1 0 0 0,-1 0 0 16,0 5-32-16,-2-2-16 0,-5-6 0 0,0-1 0 15,-6 0 32-15,-5-2 16 0,-6-1 0 0,0 5 0 16,1 6 176-16,-1 2 0 0,-3 4 160 0,-1 0-160 16,3 2 416-16,0 4-16 0,-1-2 0 0,8 3 0 15,0 0-160-15,0 0-48 0,0 0 0 0,0 0 0 16,0 0-192-16,0 0 0 0,0 0 0 0,0 0 0 16,16 5 0-16,3-1 128 0,2-8-128 0,4 2 0 0,1-4 208 0,2-2-48 15,2-1-16-15,2-2 0 0,1-4-144 0,1 0-144 16,1-2 144-16,1 1-208 0,2-1 64 0,0 1 16 15,-2 0 0-15,2 0 0 0,0-1 128 0,-4 6 0 16,-7 0 0-16,-5 3 0 0,-3 3 224 0,-6 2 80 16,-13 3 16-16,0 0 0 0,0 0 64 0,1 17 0 15,-5 4 16-15,-5 6 0 0,-4 5-240 0,-4 4-160 16,-5 3 192-16,-2 6-192 16,-2 1 128-16,-2 7-128 0,-2-1 0 0,0 5 0 0,1 2 0 0,3 1 0 15,4-2 0-15,2 0 0 0,5-2 0 0,4-5 128 16,3-6-128-16,4-3 0 0,4-5 144 15,3-5-144-15,2-2 0 0,4-5 144 0,3-4-144 0,1-6 0 16,1-2 0-16,2-3 0 0,2-5 0 0,1-4 0 16,1-2-160-16,3-6 160 15,0 1-592-15,-2-1-32 0,0-2 0 0,-4-3 0 16,-4-3-720-16,-5-6-160 0,-3-3-32 0,-3-8 0 16,-3-10-1808-16,-3 0-368 0,-4-3-80 0,1 2-16 15,-4 0 1872-15,2 6 368 0,0 2 80 0,0 6 16 0,-2 5 2752 0,1 3 576 0,0 1 96 0,0 3 32 16,0-1 976-16,5 5 208 0,1 4 32 0,3 4 16 15,1 5-1168-15,0 0-224 0,0 0-48 0,0 0-16 0,0 0-944 0,16 3-192 16,3 3-48-16,0 0 0 0,3 1-240 0,3-2-48 16,1 1-16-16,3 1 0 0,2-1-96 0,2-2-32 15,1 0 0-15,0 0 0 0,-2 0 0 0,1-1 0 16,-1-2 0-16,0-1 0 16,-2-1-976-1,1 1-208-15,2 4-48 0,-1-3-10688 0,-1 2-2128 0</inkml:trace>
+  <inkml:trace contextRef="#ctx0" brushRef="#br0" timeOffset="-34336.86">14860 14970 27583 0,'0'0'1216'0,"-11"-12"256"0,11 12-1168 0,0 0-304 0,0 0 0 0,-4-4 0 15,-3 2 416-15,-3 4 32 0,0 6 0 0,-3 5 0 16,-3 1-64-16,1 3-16 0,0 2 0 0,0 0 0 15,-1 1 336-15,3 1 64 0,1-2 0 0,3 1 16 16,0-3-304-16,4 0-64 0,2-4-16 0,2 0 0 16,1-13-112-16,3 14-32 0,-3-14 0 0,5 12 0 15,-5-12-64-15,10 9-32 0,2-5 0 0,-2-4 0 16,1-3-160-16,2-2 0 0,2-3 144 0,4-1-144 16,0-3 0-16,1-1 0 0,1 2 0 0,0-3 0 15,-2-2-176-15,-1-1 0 0,1 0 0 0,-1 0 0 16,0 5-32-16,-2-2-16 0,-5-6 0 0,0-1 0 15,-6 0 32-15,-5-2 16 0,-6-1 0 0,0 5 0 16,1 6 176-16,-1 2 0 0,-3 4 160 0,-1 0-160 16,3 2 416-16,0 4-16 0,-1-2 0 0,8 3 0 15,0 0-160-15,0 0-48 0,0 0 0 0,0 0 0 16,0 0-192-16,0 0 0 0,0 0 0 0,0 0 0 16,16 5 0-16,3-1 128 0,2-8-128 0,4 2 0 0,1-4 208 0,2-2-48 15,2-1-16-15,2-2 0 0,1-4-144 0,1 0-144 16,1-2 144-16,1 1-208 0,2-1 64 0,0 1 16 15,-2 0 0-15,2 0 0 0,0-1 128 0,-4 6 0 16,-7 0 0-16,-5 3 0 0,-3 3 224 0,-6 2 80 16,-13 3 16-16,0 0 0 0,0 0 64 0,1 17 0 15,-5 4 16-15,-5 6 0 0,-4 5-240 0,-4 4-160 16,-5 3 192-16,-2 6-192 16,-2 1 128-16,-2 7-128 0,-2-1 0 0,0 5 0 0,1 2 0 0,3 1 0 15,4-2 0-15,2 0 0 0,5-2 0 0,4-5 128 16,3-6-128-16,4-3 0 0,4-5 144 15,3-5-144-15,2-2 0 0,4-5 144 0,3-4-144 0,1-6 0 16,1-2 0-16,2-3 0 0,2-5 0 0,1-4 0 16,1-2-160-16,3-6 160 15,0 1-592-15,-2-1-32 0,0-2 0 0,-4-3 0 16,-4-3-720-16,-5-6-160 0,-3-3-32 0,-3-8 0 16,-3-10-1808-16,-3 0-368 0,-4-3-80 0,1 2-16 15,-4 0 1872-15,2 6 368 0,0 2 80 0,0 6 16 0,-2 5 2752 0,1 3 576 0,0 1 96 0,0 3 32 16,0-1 976-16,5 5 208 0,1 4 32 0,3 4 16 15,1 5-1168-15,0 0-224 0,0 0-48 0,0 0-16 0,0 0-944 0,16 3-192 16,3 3-48-16,0 0 0 0,3 1-240 0,3-2-48 16,1 1-16-16,3 1 0 0,2-1-96 0,2-2-32 15,1 0 0-15,0 0 0 0,-2 0 0 0,1-1 0 16,-1-2 0-16,0-1 0 16,-2-1-976-1,1 1-208-15,2 4-48 0,-1-3-10688 0,-1 2-2128 0</inkml:trace>
   <inkml:trace contextRef="#ctx0" brushRef="#br0" timeOffset="-34004.86">16701 14837 38927 0,'-4'-13'1728'0,"2"5"352"0,0-1-1664 0,0 2-416 16,2 7 0-16,-1-5 0 0,1 5 896 0,-4-4 80 0,-2 2 32 0,-2 0 0 15,-2 4-832-15,-4 3-176 0,-1 1 0 0,-3 4 0 16,-3-1 0-16,0 1-176 0,-1 0 176 0,2 4-160 15,1-1 160-15,0 0 0 0,2 0-144 0,4 1 144 16,3 2 0-16,2 1 0 0,2-3 160 0,3 2-160 16,3-2 0-16,3 0 0 0,2 1 0 0,3-4-192 15,3 4 16-15,4-1 16 0,2-1 0 0,3 1 0 16,5 2-64-16,1 0-16 0,0-5 0 0,-1 1 0 16,-3-3 0-16,-1 2 0 0,-4-1 0 0,-4-2 0 15,-1 1 80-15,-12-9 16 0,0 0 0 0,4 12 0 16,-7 0 144-16,-5-2 0 0,-5 0 0 0,-5 2 0 15,-5 1 0-15,-5-1 176 0,-4-4-16 0,-1 2 0 16,2-3-160-16,2 0 128 0,3 1-128 0,3 0 128 16,3 0-1728-1,6-3-368-15,2-1-64 0,12-4-16 0</inkml:trace>
-  <inkml:trace contextRef="#ctx0" brushRef="#br0" timeOffset="-33913.85">16851 15366 27647 0,'0'0'2448'0,"0"0"-1952"16,0 0-496-16,11 4 0 0,-11-4 3344 0,13 5 576 15,-1-2 112-15,-12-3-14656 16,12 5-2944-16</inkml:trace>
+  <inkml:trace contextRef="#ctx0" brushRef="#br0" timeOffset="-33913.86">16851 15366 27647 0,'0'0'2448'0,"0"0"-1952"16,0 0-496-16,11 4 0 0,-11-4 3344 0,13 5 576 15,-1-2 112-15,-12-3-14656 16,12 5-2944-16</inkml:trace>
   <inkml:trace contextRef="#ctx0" brushRef="#br0" timeOffset="-31570.86">17921 15336 28559 0,'-18'-28'2544'0,"18"28"-2032"0,0 0-512 0,0 0 0 16,0 0 1760-16,11-7 256 0,2 0 48 0,2 1 16 15,0-1-1504-15,2 0-288 0,0-2-64 0,2-2-16 16,0 1 240-16,-1-3 32 0,1-2 16 0,0 4 0 16,1-1-192-16,-1 1-48 0,1 0 0 0,-1 0 0 15,2 2-128-15,-1-1-128 0,-3-1 144 0,-2 2-144 16,-2-4 128-16,0 3-128 0,-1 1 0 0,-1-1 0 0,-4 1 144 15,-7 9-144-15,7-8 128 0,-7 8-128 0,0 0 0 0,0 0 0 16,0 0 0-16,0 0 0 0,0 0 0 0,0 0 0 16,-9 11-192-16,0 3 192 0,-2 2-160 0,0 2 160 15,-2-1 0-15,-1 3-144 0,1-1 144 0,3 1 0 16,0-1 0-16,3 0 0 0,3-4 0 0,3-2 0 16,1-13 0-16,5 11 0 0,-5-11 0 0,11 9 0 15,-2-3 0-15,1-2 128 0,3-4-128 0,0 0 0 16,1-5 128-16,3 0-128 0,3-2 0 0,2-3 0 15,0-5-160-15,3 1 160 16,0 0-592-16,1-2-16 0,0-5 0 0,3 2 0 16,2 4-224-16,0-3-64 0,2-3 0 15,1-1 0-15,1-1 224 0,0-3 32 0,-1-4 16 0,-3-3 0 0,-6-2 384 16,-1 4 80-16,-1 4 16 0,-3 5 0 0,-6 4 720 0,-2 2 128 16,-5 6 48-16,-7 10 0 0,0 0 400 0,0 0 64 15,0 0 32-15,-9 16 0 0,-4 4-752 0,-1 8-160 16,-3 4-16-16,-1 2-16 0,-2 0-80 0,2 0-16 15,1 0 0-15,1 0 0 0,2-2-48 0,5 0-16 0,2 0 0 16,3-3 0-16,3-3-144 0,1 0 128 16,3 0-128-16,-2-2 128 0,-1-3-384 0,1-2-64 0,1-6-32 0,-2-13 0 31,0 0-240-31,5 11-48 0,1-2-16 0,-6-9 0 16,0 0-480-16,0 0-80 0,0 0-32 0,-9-8 0 15,-2-2-384-15,-2-2-80 0,-3-3-16 0,0-2 0 0,1-2-176 16,0-2-32-16,1 0-16 0,2 2 0 0,3 0 1952 0,0 2 224 15,2 4 128-15,2-1 32 0,0-3 1616 0,2 4 336 0,2 5 64 0,1 8 16 16,0 0-432-16,9-5-96 0,3 2-16 0,2 2 0 16,2 1-944-16,3 0-192 0,1-2-32 0,-2 4-16 15,3-2-368-15,3 1-80 0,2-1-16 0,0 0 0 0,0 0-96 0,-1-1-128 16,-2-1 176-16,6-2-176 16,-7 0-496-1,-4 4-208-15,-3 5-32 0,-6 0-16 0,-9-5-2080 16,0 0-432-16,0 0-64 0</inkml:trace>
   <inkml:trace contextRef="#ctx0" brushRef="#br0" timeOffset="-31405.88">17961 14795 26719 0,'-6'-9'2368'0,"-1"0"-1888"16,2 2-480-16,4 3 0 0,1 4 2528 0,8-5 416 15,3 1 64-15,5 3 32 0,2 1-2320 0,8 0-464 16,6-3-80-16,7 1-32 0,5 4 48 0,6 2 16 0,2 5 0 0,1 6 0 31,1 4-1600-31,-1 0-320 0,19 4-64 0,-3-2-16 0</inkml:trace>
   <inkml:trace contextRef="#ctx0" brushRef="#br0" timeOffset="-29986.17">19457 15159 18431 0,'0'-8'1632'0,"1"-2"-1312"0,2-2-320 0,0 0 0 15,0 6 2400-15,4-1 416 0,-7 7 64 0,0 0 32 16,0 0-1840-16,0 0-368 0,13 7-80 0,-13-7-16 16,7 13-96-16,-4 2-32 0,-3 1 0 0,-1 6 0 15,-4-4-160-15,-1 5-48 0,-1-1 0 0,-3 0 0 16,-1-3-64-16,-1 2-16 0,0 0 0 0,0-5 0 15,1-1-192-15,0-1 0 0,0-4 0 0,3-4 0 16,3 2 0-16,5-8 192 0,0 0-48 0,0 0-16 16,0 0 0-16,0 0 0 0,0 0 0 0,0 0 0 15,0 0-128-15,3-9 160 0,4-1-160 0,1-3 160 16,1-7-160-16,3 3 0 0,2-1 0 0,0 0 0 0,1-7-208 0,2 1 80 16,1 1 128-16,0 0-208 0,0 2 208 15,1 1 0-15,1 3-160 0,-1 4 160 0,-5 1 0 0,0 3 0 16,-1 1 0-16,1 5 0 0,-3 3 0 0,-11 0 256 15,12 2-32-15,-12-2-16 0,10 9 96 0,-3 2 16 16,-7-11 0-16,3 17 0 0,-2-4-320 0,-1 0 160 16,-1 0-160-16,-2 2 128 0,-1-2-128 0,0 0 192 15,0-2-192-15,-1-1 192 0,5-10-192 0,-5 11 192 16,5-11-192-16,-5 8 192 0,5-8-192 0,0 0 192 0,0 0-192 0,0 0 192 16,0 0-192-16,0 0 0 15,0 0 144-15,0 0-144 0,0 0 0 0,0 0 0 16,11-7 0-16,2-2 0 0,2-2-288 0,0 1 32 15,1 0 0-15,2-3 0 16,-1 2-176-16,4-1-16 0,0 2-16 0,1 1 0 0,0 0 144 0,-2 0 16 0,-3-1 16 0,-2 4 0 16,-2 2 160-16,-1 4 128 0,-12 0-192 15,11 3 192-15,-11-3 0 0,0 0 176 16,3 10 0-16,-3 1 0 0,-1 0 208 0,-1 1 32 16,-1-2 16-16,-1 2 0 0,-3-1-192 0,4-1-48 15,3-10 0-15,-3 12 0 0,3-12-64 0,0 13 0 0,0-3-128 0,0-10 192 16,4 13-192-16,0-2 0 0,-4-11 128 0,0 0-128 15,0 0 0-15,0 0 0 16,10 5 0-16,-10-5 0 0,12 6 0 0,-2 0 0 0,1-6-144 0,-11 0 144 16,12-4-288-16,-2 0 32 0,0-1 16 0,1-2 0 0,-1 1-128 0,2-1-16 15,0 1-16-15,1-1 0 0,-1-2 16 0,-1 1 0 16,1 2 0-16,0-1 0 0,-1 2 192 0,-1 1 64 16,-10 4 0-16,0 0 0 0,0 0 128 0,0 0-208 15,0 0 80-15,0 0 128 0,0 0 0 0,0 0 0 16,0 0 144-16,0 0-16 0,5 12 192 0,-3-2 64 15,-2-10 0-15,2 12 0 0,-2-12-144 0,1 12-32 16,-1-12 0-16,1 10 0 0,-1-10-64 0,0 0-16 16,3 12 0-16,-3-12 0 0,0 0-128 15,5 9 128-15,-5-9-128 0,0 0 128 0,11 8-128 0,-11-8 0 16,11 6 144-16,-11-6-144 0,12 4 128 0,0-1-128 16,-12-3 128-16,13 0-128 0,-1-4 0 0,-1 1 0 15,1 1 0-15,0-2 0 0,-2-2 0 0,2-1 0 16,-2-4 0-16,1 2-128 0,0 1 128 0,0 0 0 15,-2-1-144-15,1 1 144 0,1 1 0 0,-1-2 0 16,1-1 0-16,-2 0 0 0,0 2-144 0,0-2 144 16,-1 2 0-16,0-1 0 0,0 0 0 0,-1 2 0 0,0-3 0 0,-7 10 0 15,0 0 0-15,6-8-128 0,-6 8 128 0,0 0 0 16,0 0 0-16,0 0 0 0,0 0 0 0,0 0 0 16,0 0 192-16,0 0-48 0,0 0-16 0,0 0 0 15,0 0-128-15,0 0 128 0,0 0-128 0,0 0 128 16,0 0-128-16,0 0 0 0,0 0 0 0,0 0 128 15,0 0-128-15,0 0 0 0,0 0 0 0,0 0 0 0,0 0 0 0,0 0 0 16,0 0 0-16,0 0 0 16,0 0 0-16,0 0 0 0,0 0 0 0,0 0 0 15,0 0 0-15,0 0 128 0,0 0-128 0,0 0 0 0,0 0 128 0,0 0-128 16,0 0 128-16,0 0-128 0,0 0 128 0,0 0-128 16,-2 9 0-16,-1 1 128 15,1 0-128-15,-1 0 0 0,3-10 144 0,-5 13-144 16,1-1 176-16,0 2-48 0,1-2 0 0,1 0 0 0,-1-1 0 0,2 1-128 15,0 0 192-15,1-12-64 0,0 11 0 0,0-11 0 16,5 12 0-16,-1-1 0 0,-4-11-128 0,0 0 160 16,5 10-160-16,3-1 160 15,2-1-1072-15,2 0-224 0,0-3-32 0,-2-2-14976 0</inkml:trace>
@@ -2064,7 +2064,7 @@
   <inkml:trace contextRef="#ctx0" brushRef="#br0" timeOffset="132486.64">29181 4596 28335 0,'0'0'624'0,"0"0"128"0,0 0 16 0,0 0 32 0,-4 5-640 0,4-5-160 15,-6 4 0-15,6-4 0 0,0 0 1408 0,-2 9 240 16,4 1 48-16,3 1 16 0,3 0-640 0,2 0-128 16,6 3-32-16,3-4 0 0,5-2-464 0,4 1-112 15,8 0-16-15,3 0-11712 16,4-2-2336-16</inkml:trace>
   <inkml:trace contextRef="#ctx0" brushRef="#br0" timeOffset="133752.65">1352 5734 40143 0,'0'0'3568'0,"5"-5"-2864"16,4-1-560-16,7-6-144 0,2-1-192 0,3 1-80 15,3-1-16-15,3-3 0 0,2 1 496 0,2-6 112 16,0-1 0-16,0 0 16 0,-4 1-336 0,-3 1 128 0,-2 3-128 0,-1-4 0 16,-2 3 0-16,-4 1 0 0,-3 0-192 0,-2 3 64 15,1 1 128-15,-6 0 0 0,-6 0 0 0,1 1 0 16,0-1 160-16,-4 1-32 0,-3 1-128 0,-2 3 192 16,0 1-192-16,-1 2 0 0,-1 4 0 0,-3 3 0 15,-3 5 0-15,-3 5-160 0,-3 3 32 0,-2 5 0 16,-8 6 128-16,2 2-208 0,0 5 80 0,4 0 128 15,3-1 0-15,3-2 160 0,6 0 16 0,3-1 0 16,1-2 16-16,6-2 16 0,4 0 0 0,5-6 0 0,4-3-208 0,5-3 144 16,2-1-144-16,5-4 128 15,2-2-128-15,3-3-256 0,0-5 64 0,6-3 16 16,4-4-480-16,-1-3-112 16,-4-5 0-16,1-1-16 0,1-1-256 0,0-1-48 0,2-2-16 0,4-4 0 15,1-3-784-15,5-2-160 0,1-2-16 0,-4-1-16 16,-3 4 496-16,-5 2 112 0,-5 2 0 0,-3 2 16 0,-5 5 1104 0,-1 3 224 15,-3 3 128-15,-6 5-160 0,-10 8 1696 0,0 0 320 16,0 0 80-16,0 0 16 0,-6 9 320 0,-3 4 64 16,-2 4 16-16,-2 1 0 0,-2 3-1008 0,-1 1-192 15,-1 3-32-15,0 1-16 0,4-1-608 0,1-1-128 0,1-5-32 0,0-1 0 16,-1-2-208-16,3-2-128 16,0-1 160-16,1-1-160 0,0 0 0 0,6 0 0 15,2-1 0-15,0 0 0 16,0-11-1088-16,-7 8-304 0,7-8-64 0,0 0-16 15,-10 5-1696-15,10-5-352 0,0 0-64 0,-9-9 0 0</inkml:trace>
   <inkml:trace contextRef="#ctx0" brushRef="#br0" timeOffset="133869.65">1922 5401 15663 0,'-7'-13'688'0,"7"13"144"0,0 0-656 0,0 0-176 16,0 0 0-16,0 0 0 0,0 0 4624 0,0 0 896 0,9 15 176 0,-3-6 48 16,1 6-3536-16,2 2-704 15,3 2-144-15,8 10-16 0,-1-2-512 0,2-6-80 16,3-1-32-16,3-2 0 0,2-1-592 0,3 0-128 0,3 2 0 0,1-6-12928 15,-1-6-2608-15</inkml:trace>
-  <inkml:trace contextRef="#ctx0" brushRef="#br0" timeOffset="135052.88">2752 5424 23039 0,'-4'-30'1024'0,"4"20"192"0,0 2-960 0,0 1-256 0,0 2 0 0,0 5 0 15,0 0 1264-15,-5 0 208 0,-1 4 32 0,-4 4 16 16,-1 5 208-16,-4 8 32 0,0 6 16 0,-4 8 0 15,1 4-800-15,-3 7-144 0,-3 4-48 0,-1 3 0 16,-3 4-144-16,4 3-48 0,-1 4 0 0,3-1 0 0,0-6-224 0,3-2-48 16,4-2-16-1,0-6 0-15,4-4-304 0,1-2 0 0,3-6 128 0,1-5-128 16,1-8 0-16,3-4 0 0,-1-3-128 0,0-6 128 0,3-9 0 0,0 0 0 16,0 0 0-16,0 0 0 0,2-13-144 15,0-5-144-15,2-5-32 0,0-3 0 0,3-4 64 16,-1-2 16-16,-1-2 0 0,3-4 0 0,1-4 240 0,0-3-176 15,2-5 176-15,1-2-160 0,-1-3 32 0,2-1 0 16,2-1 0-16,3 1 0 0,3 5-16 0,0 7 0 16,0 6 0-16,-2 4 0 0,-1 6 144 0,-2 6 0 15,-4 5 160-15,-2 6-160 0,-2 4 256 0,-2 5-32 16,-6 2-16-16,0 0 0 0,2 7 128 0,-2 5 32 16,-2 4 0-16,-1 11 0 0,-7 0-144 0,5-7-32 0,1 0 0 0,0 8 0 15,2-6-192-15,4-6-240 16,6-2 48-16,1 1 16 15,4-6-560-15,0 1-112 0,3-6-32 0,1 0 0 16,3-5-160-16,0-3-48 0,4-4 0 0,5-2 0 16,2-5-528-16,5-3-112 0,6-3-32 0,22-9 0 0,-4 7-160 0,-5-2-16 15,-6 0-16-15,-7 2 0 16,-6 3 1008-16,-7 1 208 0,-5 3 32 0,-6 2 16 0,-5 1 1664 0,-5 2 336 0,-8 11 64 16,0 0 16-16,0 0 336 0,0 0 80 0,-11 3 16 15,-4 3 0-15,-6 5-160 0,-7 0-48 0,-4 1 0 0,-2 4 0 16,-3 2-448-16,5 2-80 0,-1 1-32 0,15-8 0 15,-2 2-336-15,5 1-64 0,-1-2-16 0,4 1 0 16,3-4-272-16,1 0-64 0,5-2-16 0,1-3 0 16,2 2-288-16,0-8 0 0,5 7 0 0,5-2 0 15,-1-1-208-15,2-2-48 0,2-3-16 0,7-1 0 16,3-4-352-16,5 1-64 0,6-3-16 0,-2-3 0 16,0-1 16-16,-4-1 0 0,0-3 0 0,7-3 0 15,-5 0-80-15,-8 4-32 0,-4 2 0 0,-5 3 0 16,-4 8 304-16,-9 2 64 0,0 0 16 0,0 0 0 0,0 12 848 0,-2-1 160 15,-3 0 48-15,-2-1 0 0,-1 5 144 0,2 0 48 16,-1 1 0-16,3-2 0 0,2-1-448 0,2 0-64 16,0-13-32-16,8 9 0 0,1-1-288 0,2-4-224 15,1-1 32-15,3-5 16 16,0-1-272-16,3-3-48 0,2 0-16 0,-4-1 0 16,2-2-176-16,3 0-32 0,1-1-16 0,10-5 0 15,-2 2-304-15,-2 3-64 0,-2-1-16 0,-1 1 0 16,-2-4 560-16,-2 2 112 0,-5 1 32 0,-6 6 0 0,-10 5 416 0,0 0 304 15,0 0-48-15,0 0-16 0,0 0 1136 0,-9 8 224 16,-5-3 64-16,-1 3 0 0,0 6-448 0,2 1-96 0,0-6-16 0,0 3 0 16,3-1-400-16,4 0-64 0,-1-1-32 0,7-10 0 15,0 0-384-15,0 0-80 0,0 0-16 0,7 11 0 16,-7-11-320-16,12 5-64 0,-12-5 0 0,18-1-16 16,1-3-48-16,1-2 0 0,-3 0 0 0,1-2 0 15,0-2 32-15,1 0 0 0,-1 1 0 0,-2 3 0 16,-3-1 96-16,-2 5 0 0,0-2 16 0,-11 4 0 0,0 0 176 0,10 6 0 15,-2 5 0-15,-1-1 128 0,-4 3 192 0,1 0 64 16,2 0 0-16,0 2 0 16,1 0-384-16,2-2 0 0,1-2 0 0,3-7-16960 15</inkml:trace>
+  <inkml:trace contextRef="#ctx0" brushRef="#br0" timeOffset="135052.87">2752 5424 23039 0,'-4'-30'1024'0,"4"20"192"0,0 2-960 0,0 1-256 0,0 2 0 0,0 5 0 15,0 0 1264-15,-5 0 208 0,-1 4 32 0,-4 4 16 16,-1 5 208-16,-4 8 32 0,0 6 16 0,-4 8 0 15,1 4-800-15,-3 7-144 0,-3 4-48 0,-1 3 0 16,-3 4-144-16,4 3-48 0,-1 4 0 0,3-1 0 0,0-6-224 0,3-2-48 16,4-2-16-1,0-6 0-15,4-4-304 0,1-2 0 0,3-6 128 0,1-5-128 16,1-8 0-16,3-4 0 0,-1-3-128 0,0-6 128 0,3-9 0 0,0 0 0 16,0 0 0-16,0 0 0 0,2-13-144 15,0-5-144-15,2-5-32 0,0-3 0 0,3-4 64 16,-1-2 16-16,-1-2 0 0,3-4 0 0,1-4 240 0,0-3-176 15,2-5 176-15,1-2-160 0,-1-3 32 0,2-1 0 16,2-1 0-16,3 1 0 0,3 5-16 0,0 7 0 16,0 6 0-16,-2 4 0 0,-1 6 144 0,-2 6 0 15,-4 5 160-15,-2 6-160 0,-2 4 256 0,-2 5-32 16,-6 2-16-16,0 0 0 0,2 7 128 0,-2 5 32 16,-2 4 0-16,-1 11 0 0,-7 0-144 0,5-7-32 0,1 0 0 0,0 8 0 15,2-6-192-15,4-6-240 16,6-2 48-16,1 1 16 15,4-6-560-15,0 1-112 0,3-6-32 0,1 0 0 16,3-5-160-16,0-3-48 0,4-4 0 0,5-2 0 16,2-5-528-16,5-3-112 0,6-3-32 0,22-9 0 0,-4 7-160 0,-5-2-16 15,-6 0-16-15,-7 2 0 16,-6 3 1008-16,-7 1 208 0,-5 3 32 0,-6 2 16 0,-5 1 1664 0,-5 2 336 0,-8 11 64 16,0 0 16-16,0 0 336 0,0 0 80 0,-11 3 16 15,-4 3 0-15,-6 5-160 0,-7 0-48 0,-4 1 0 0,-2 4 0 16,-3 2-448-16,5 2-80 0,-1 1-32 0,15-8 0 15,-2 2-336-15,5 1-64 0,-1-2-16 0,4 1 0 16,3-4-272-16,1 0-64 0,5-2-16 0,1-3 0 16,2 2-288-16,0-8 0 0,5 7 0 0,5-2 0 15,-1-1-208-15,2-2-48 0,2-3-16 0,7-1 0 16,3-4-352-16,5 1-64 0,6-3-16 0,-2-3 0 16,0-1 16-16,-4-1 0 0,0-3 0 0,7-3 0 15,-5 0-80-15,-8 4-32 0,-4 2 0 0,-5 3 0 16,-4 8 304-16,-9 2 64 0,0 0 16 0,0 0 0 0,0 12 848 0,-2-1 160 15,-3 0 48-15,-2-1 0 0,-1 5 144 0,2 0 48 16,-1 1 0-16,3-2 0 0,2-1-448 0,2 0-64 16,0-13-32-16,8 9 0 0,1-1-288 0,2-4-224 15,1-1 32-15,3-5 16 16,0-1-272-16,3-3-48 0,2 0-16 0,-4-1 0 16,2-2-176-16,3 0-32 0,1-1-16 0,10-5 0 15,-2 2-304-15,-2 3-64 0,-2-1-16 0,-1 1 0 16,-2-4 560-16,-2 2 112 0,-5 1 32 0,-6 6 0 0,-10 5 416 0,0 0 304 15,0 0-48-15,0 0-16 0,0 0 1136 0,-9 8 224 16,-5-3 64-16,-1 3 0 0,0 6-448 0,2 1-96 0,0-6-16 0,0 3 0 16,3-1-400-16,4 0-64 0,-1-1-32 0,7-10 0 15,0 0-384-15,0 0-80 0,0 0-16 0,7 11 0 16,-7-11-320-16,12 5-64 0,-12-5 0 0,18-1-16 16,1-3-48-16,1-2 0 0,-3 0 0 0,1-2 0 15,0-2 32-15,1 0 0 0,-1 1 0 0,-2 3 0 16,-3-1 96-16,-2 5 0 0,0-2 16 0,-11 4 0 0,0 0 176 0,10 6 0 15,-2 5 0-15,-1-1 128 0,-4 3 192 0,1 0 64 16,2 0 0-16,0 2 0 16,1 0-384-16,2-2 0 0,1-2 0 0,3-7-16960 15</inkml:trace>
   <inkml:trace contextRef="#ctx0" brushRef="#br0" timeOffset="135638.09">4387 5620 31391 0,'8'-15'1392'0,"-2"9"272"0,1-1-1328 0,-2-2-336 0,-4 0 0 0,1 1 0 15,-2 0 848-15,-2 2 112 0,0 1 0 0,-5 3 16 16,1 5 192-16,-1 0 48 0,-3 2 0 0,-3 5 0 16,-7 3-576-16,-1 4-128 0,-2 5 0 0,-3 2-16 0,1 1-176 0,2-1-48 15,-1 0 0-15,6-3 0 0,4-3 48 0,2-2 16 16,4-2 0-16,4-4 0 0,4-10-208 16,0 0-128-16,9 7 160 0,4-7-160 0,4-3-208 0,3-3-144 15,3-7-32-15,3-4 0 16,4-3-352-16,-1-3-80 0,0-3-16 0,-2-2 0 15,0 5-64-15,-1-6 0 0,0 0-16 0,-2 1 0 16,-2-5 128 0,-1 2 16-16,-3-2 16 0,-2 3 0 0,-2 0 752 0,-2 4 0 0,-3 4 0 0,-4 4 160 0,-5 2 224 0,-4 4 32 15,-1 5 16-15,-3 4 0 0,-3 2 528 0,-4 5 96 16,1 5 32-16,0 5 0 0,-3 4-336 0,1 7-64 16,0 4-16-16,2 2 0 0,1 2-352 0,1-1-64 15,3 0 0-15,3-1-16 0,0-1-48 0,2 0-16 16,7-3 0-16,2-1 0 15,4-2-1104-15,3-3-224 0,2-3-32 0,5-3-16 16,2 0-1392-16,3-6-288 0,4-4-48 0</inkml:trace>
   <inkml:trace contextRef="#ctx0" brushRef="#br0" timeOffset="136221.34">4804 5644 23951 0,'0'0'2128'0,"-6"4"-1696"0,-3-4-432 0,1 2 0 15,3-1 3216-15,5-1 560 0,0 0 128 0,0 0 0 16,0 0-2528-16,11 5-512 0,5-1-96 0,1-1-32 15,2-3-240-15,2-2-48 0,0-2-16 0,12-3 0 16,-2-1-304-16,-10 1-128 16,-2-2 128-16,1 1-128 0,-2-1-176 0,-1 0-112 0,-1 1-32 0,-3 0 0 15,-4 2-96-15,-1 1-32 0,-8 5 0 0,0 0 0 16,0 0 304-16,-5-7 144 0,-5 1-160 0,-5 2 160 16,-3 1-160-16,-2 7 160 0,-1 1-160 0,-1-1 160 15,-4 1 0-15,2 4 0 0,5 3 128 0,-1-1-128 16,2 2 336-16,4 1-32 0,3 0-16 0,3 1 0 0,3-2-160 0,5 0-128 15,4-1 192-15,5-2-192 0,0 0 0 0,3-2 0 16,3-3 0-16,4-1 0 0,3-2-256 0,-4-2-16 16,5-3 0-16,4-1 0 15,4-2-384-15,6-1-80 0,3-1-16 0,5-1 0 16,0 1-272-16,1-1-48 0,-3-1-16 0,-3-2 0 16,-5 0-80-16,-1-3-32 0,0 0 0 15,-4 2 0-15,-2-2 848 0,-5 0 160 0,-3 2 48 0,-5 4 0 0,-2 3 768 0,-5 2 144 16,-8 4 48-16,0 0 0 0,0 0 512 0,-6 4 96 15,-7 1 32-15,-2 5 0 0,-3 2-448 0,0 6-96 0,-1 3-16 0,1 3 0 16,1-1-112-16,2 2-16 16,2-4-16-16,3 1 0 0,7 1-528 0,1-4-96 15,5-5-128-15,3-2 176 0,5-1-320 0,1-5-64 16,1-4-16-16,5-3 0 16,4-4-352-16,1-6-80 0,4-4-16 0,1-4 0 15,5-3-160-15,1 1-16 0,1-3-16 0,-1 0 0 16,-4 1 256-16,0-3 48 0,0-3 16 0,-5-1 0 0,-5-1 304 0,0-6 64 0,-3-2 16 0,-4 0 0 15,-5 4 352-15,0-1 80 0,-5 4 16 0,-3 3 0 16,-6 2 544-16,-3 6 96 0,-4 4 32 0,0 9 0 0,-4 3 320 0,-3 6 64 16,-2 4 0-16,-1 8 16 0,0 7-576 15,-1 5-112-15,0 2-32 0,2 7 0 0,0 5-640 0,4 0 0 16,1 2 0 0,5-5 0-16,5 3 0 0,4-2 0 0,3-3 0 0,6-3 0 15,6-1-2048-15,7-1-320 0,6-3-80 0</inkml:trace>
   <inkml:trace contextRef="#ctx0" brushRef="#br0" timeOffset="136318.31">6317 5801 36863 0,'-12'6'1632'0,"7"-3"336"0,-2 0-1584 0,3 0-384 16,-1 0 0-16,5-3 0 0,0 0 2272 0,8 1 368 16,7-1 80-16</inkml:trace>
@@ -2331,7 +2331,7 @@
           <a:p>
             <a:fld id="{EFA5A5D9-0012-4E94-82E2-CB6BF8B83D40}" type="datetimeFigureOut">
               <a:rPr lang="en-CA" smtClean="0"/>
-              <a:t>2023-01-26</a:t>
+              <a:t>2023-02-04</a:t>
             </a:fld>
             <a:endParaRPr lang="en-CA"/>
           </a:p>
@@ -2531,7 +2531,7 @@
           <a:p>
             <a:fld id="{EFA5A5D9-0012-4E94-82E2-CB6BF8B83D40}" type="datetimeFigureOut">
               <a:rPr lang="en-CA" smtClean="0"/>
-              <a:t>2023-01-26</a:t>
+              <a:t>2023-02-04</a:t>
             </a:fld>
             <a:endParaRPr lang="en-CA"/>
           </a:p>
@@ -2741,7 +2741,7 @@
           <a:p>
             <a:fld id="{EFA5A5D9-0012-4E94-82E2-CB6BF8B83D40}" type="datetimeFigureOut">
               <a:rPr lang="en-CA" smtClean="0"/>
-              <a:t>2023-01-26</a:t>
+              <a:t>2023-02-04</a:t>
             </a:fld>
             <a:endParaRPr lang="en-CA"/>
           </a:p>
@@ -2941,7 +2941,7 @@
           <a:p>
             <a:fld id="{EFA5A5D9-0012-4E94-82E2-CB6BF8B83D40}" type="datetimeFigureOut">
               <a:rPr lang="en-CA" smtClean="0"/>
-              <a:t>2023-01-26</a:t>
+              <a:t>2023-02-04</a:t>
             </a:fld>
             <a:endParaRPr lang="en-CA"/>
           </a:p>
@@ -3217,7 +3217,7 @@
           <a:p>
             <a:fld id="{EFA5A5D9-0012-4E94-82E2-CB6BF8B83D40}" type="datetimeFigureOut">
               <a:rPr lang="en-CA" smtClean="0"/>
-              <a:t>2023-01-26</a:t>
+              <a:t>2023-02-04</a:t>
             </a:fld>
             <a:endParaRPr lang="en-CA"/>
           </a:p>
@@ -3485,7 +3485,7 @@
           <a:p>
             <a:fld id="{EFA5A5D9-0012-4E94-82E2-CB6BF8B83D40}" type="datetimeFigureOut">
               <a:rPr lang="en-CA" smtClean="0"/>
-              <a:t>2023-01-26</a:t>
+              <a:t>2023-02-04</a:t>
             </a:fld>
             <a:endParaRPr lang="en-CA"/>
           </a:p>
@@ -3900,7 +3900,7 @@
           <a:p>
             <a:fld id="{EFA5A5D9-0012-4E94-82E2-CB6BF8B83D40}" type="datetimeFigureOut">
               <a:rPr lang="en-CA" smtClean="0"/>
-              <a:t>2023-01-26</a:t>
+              <a:t>2023-02-04</a:t>
             </a:fld>
             <a:endParaRPr lang="en-CA"/>
           </a:p>
@@ -4042,7 +4042,7 @@
           <a:p>
             <a:fld id="{EFA5A5D9-0012-4E94-82E2-CB6BF8B83D40}" type="datetimeFigureOut">
               <a:rPr lang="en-CA" smtClean="0"/>
-              <a:t>2023-01-26</a:t>
+              <a:t>2023-02-04</a:t>
             </a:fld>
             <a:endParaRPr lang="en-CA"/>
           </a:p>
@@ -4155,7 +4155,7 @@
           <a:p>
             <a:fld id="{EFA5A5D9-0012-4E94-82E2-CB6BF8B83D40}" type="datetimeFigureOut">
               <a:rPr lang="en-CA" smtClean="0"/>
-              <a:t>2023-01-26</a:t>
+              <a:t>2023-02-04</a:t>
             </a:fld>
             <a:endParaRPr lang="en-CA"/>
           </a:p>
@@ -4468,7 +4468,7 @@
           <a:p>
             <a:fld id="{EFA5A5D9-0012-4E94-82E2-CB6BF8B83D40}" type="datetimeFigureOut">
               <a:rPr lang="en-CA" smtClean="0"/>
-              <a:t>2023-01-26</a:t>
+              <a:t>2023-02-04</a:t>
             </a:fld>
             <a:endParaRPr lang="en-CA"/>
           </a:p>
@@ -4757,7 +4757,7 @@
           <a:p>
             <a:fld id="{EFA5A5D9-0012-4E94-82E2-CB6BF8B83D40}" type="datetimeFigureOut">
               <a:rPr lang="en-CA" smtClean="0"/>
-              <a:t>2023-01-26</a:t>
+              <a:t>2023-02-04</a:t>
             </a:fld>
             <a:endParaRPr lang="en-CA"/>
           </a:p>
@@ -5000,7 +5000,7 @@
           <a:p>
             <a:fld id="{EFA5A5D9-0012-4E94-82E2-CB6BF8B83D40}" type="datetimeFigureOut">
               <a:rPr lang="en-CA" smtClean="0"/>
-              <a:t>2023-01-26</a:t>
+              <a:t>2023-02-04</a:t>
             </a:fld>
             <a:endParaRPr lang="en-CA"/>
           </a:p>
